--- a/The Chartered Institute of Logistics and Transport.pptx
+++ b/The Chartered Institute of Logistics and Transport.pptx
@@ -2,7 +2,7 @@
 <file path=ppt/presentation.xml><?xml version="1.0" encoding="utf-8"?>
 <p:presentation xmlns:a="http://schemas.openxmlformats.org/drawingml/2006/main" xmlns:r="http://schemas.openxmlformats.org/officeDocument/2006/relationships" xmlns:p="http://schemas.openxmlformats.org/presentationml/2006/main" saveSubsetFonts="1">
   <p:sldMasterIdLst>
-    <p:sldMasterId id="2147483678" r:id="rId1"/>
+    <p:sldMasterId id="2147483725" r:id="rId1"/>
   </p:sldMasterIdLst>
   <p:sldIdLst>
     <p:sldId id="257" r:id="rId2"/>
@@ -13,6 +13,8 @@
     <p:sldId id="262" r:id="rId7"/>
     <p:sldId id="263" r:id="rId8"/>
     <p:sldId id="264" r:id="rId9"/>
+    <p:sldId id="265" r:id="rId10"/>
+    <p:sldId id="266" r:id="rId11"/>
   </p:sldIdLst>
   <p:sldSz cx="12192000" cy="6858000"/>
   <p:notesSz cx="6858000" cy="9144000"/>
@@ -111,6 +113,11 @@
       </a:defRPr>
     </a:lvl9pPr>
   </p:defaultTextStyle>
+  <p:extLst>
+    <p:ext uri="{EFAFB233-063F-42B5-8137-9DF3F51BA10A}">
+      <p15:sldGuideLst xmlns:p15="http://schemas.microsoft.com/office/powerpoint/2012/main"/>
+    </p:ext>
+  </p:extLst>
 </p:presentation>
 </file>
 
@@ -914,7 +921,713 @@
 </c:chartSpace>
 </file>
 
+<file path=ppt/charts/chart2.xml><?xml version="1.0" encoding="utf-8"?>
+<c:chartSpace xmlns:c="http://schemas.openxmlformats.org/drawingml/2006/chart" xmlns:a="http://schemas.openxmlformats.org/drawingml/2006/main" xmlns:r="http://schemas.openxmlformats.org/officeDocument/2006/relationships" xmlns:c16r2="http://schemas.microsoft.com/office/drawing/2015/06/chart">
+  <c:date1904 val="0"/>
+  <c:lang val="en-US"/>
+  <c:roundedCorners val="0"/>
+  <mc:AlternateContent xmlns:mc="http://schemas.openxmlformats.org/markup-compatibility/2006">
+    <mc:Choice xmlns:c14="http://schemas.microsoft.com/office/drawing/2007/8/2/chart" Requires="c14">
+      <c14:style val="102"/>
+    </mc:Choice>
+    <mc:Fallback>
+      <c:style val="2"/>
+    </mc:Fallback>
+  </mc:AlternateContent>
+  <c:pivotSource>
+    <c:name>[EC Final Results 280121 - Full.xlsx]Sheet7!PivotTable12</c:name>
+    <c:fmtId val="9"/>
+  </c:pivotSource>
+  <c:chart>
+    <c:autoTitleDeleted val="1"/>
+    <c:pivotFmts>
+      <c:pivotFmt>
+        <c:idx val="0"/>
+        <c:spPr>
+          <a:solidFill>
+            <a:schemeClr val="accent1"/>
+          </a:solidFill>
+          <a:ln w="19050">
+            <a:solidFill>
+              <a:schemeClr val="lt1"/>
+            </a:solidFill>
+          </a:ln>
+          <a:effectLst/>
+        </c:spPr>
+        <c:marker>
+          <c:symbol val="none"/>
+        </c:marker>
+        <c:dLbl>
+          <c:idx val="0"/>
+          <c:spPr>
+            <a:noFill/>
+            <a:ln>
+              <a:noFill/>
+            </a:ln>
+            <a:effectLst/>
+          </c:spPr>
+          <c:txPr>
+            <a:bodyPr rot="0" spcFirstLastPara="1" vertOverflow="ellipsis" vert="horz" wrap="square" lIns="38100" tIns="19050" rIns="38100" bIns="19050" anchor="ctr" anchorCtr="1">
+              <a:spAutoFit/>
+            </a:bodyPr>
+            <a:lstStyle/>
+            <a:p>
+              <a:pPr>
+                <a:defRPr sz="900" b="0" i="0" u="none" strike="noStrike" kern="1200" baseline="0">
+                  <a:solidFill>
+                    <a:schemeClr val="tx1">
+                      <a:lumMod val="75000"/>
+                      <a:lumOff val="25000"/>
+                    </a:schemeClr>
+                  </a:solidFill>
+                  <a:latin typeface="+mn-lt"/>
+                  <a:ea typeface="+mn-ea"/>
+                  <a:cs typeface="+mn-cs"/>
+                </a:defRPr>
+              </a:pPr>
+              <a:endParaRPr lang="en-US"/>
+            </a:p>
+          </c:txPr>
+          <c:dLblPos val="bestFit"/>
+          <c:showLegendKey val="0"/>
+          <c:showVal val="1"/>
+          <c:showCatName val="0"/>
+          <c:showSerName val="0"/>
+          <c:showPercent val="0"/>
+          <c:showBubbleSize val="0"/>
+          <c:extLst>
+            <c:ext xmlns:c15="http://schemas.microsoft.com/office/drawing/2012/chart" uri="{CE6537A1-D6FC-4f65-9D91-7224C49458BB}"/>
+          </c:extLst>
+        </c:dLbl>
+      </c:pivotFmt>
+      <c:pivotFmt>
+        <c:idx val="1"/>
+        <c:spPr>
+          <a:solidFill>
+            <a:srgbClr val="9751CB"/>
+          </a:solidFill>
+          <a:ln w="19050">
+            <a:solidFill>
+              <a:schemeClr val="lt1"/>
+            </a:solidFill>
+          </a:ln>
+          <a:effectLst/>
+        </c:spPr>
+      </c:pivotFmt>
+      <c:pivotFmt>
+        <c:idx val="2"/>
+        <c:spPr>
+          <a:solidFill>
+            <a:srgbClr val="FF0000"/>
+          </a:solidFill>
+          <a:ln w="19050">
+            <a:solidFill>
+              <a:schemeClr val="lt1"/>
+            </a:solidFill>
+          </a:ln>
+          <a:effectLst/>
+        </c:spPr>
+      </c:pivotFmt>
+      <c:pivotFmt>
+        <c:idx val="3"/>
+        <c:spPr>
+          <a:solidFill>
+            <a:srgbClr val="00B050"/>
+          </a:solidFill>
+          <a:ln w="19050">
+            <a:solidFill>
+              <a:schemeClr val="lt1"/>
+            </a:solidFill>
+          </a:ln>
+          <a:effectLst/>
+        </c:spPr>
+      </c:pivotFmt>
+      <c:pivotFmt>
+        <c:idx val="4"/>
+        <c:spPr>
+          <a:solidFill>
+            <a:srgbClr val="00B0F0"/>
+          </a:solidFill>
+          <a:ln w="19050">
+            <a:solidFill>
+              <a:schemeClr val="lt1"/>
+            </a:solidFill>
+          </a:ln>
+          <a:effectLst/>
+        </c:spPr>
+      </c:pivotFmt>
+      <c:pivotFmt>
+        <c:idx val="5"/>
+        <c:spPr>
+          <a:solidFill>
+            <a:schemeClr val="accent1"/>
+          </a:solidFill>
+          <a:ln w="19050">
+            <a:solidFill>
+              <a:schemeClr val="lt1"/>
+            </a:solidFill>
+          </a:ln>
+          <a:effectLst/>
+        </c:spPr>
+        <c:marker>
+          <c:symbol val="none"/>
+        </c:marker>
+        <c:dLbl>
+          <c:idx val="0"/>
+          <c:spPr>
+            <a:noFill/>
+            <a:ln>
+              <a:noFill/>
+            </a:ln>
+            <a:effectLst/>
+          </c:spPr>
+          <c:txPr>
+            <a:bodyPr rot="0" spcFirstLastPara="1" vertOverflow="ellipsis" vert="horz" wrap="square" lIns="38100" tIns="19050" rIns="38100" bIns="19050" anchor="ctr" anchorCtr="1">
+              <a:spAutoFit/>
+            </a:bodyPr>
+            <a:lstStyle/>
+            <a:p>
+              <a:pPr>
+                <a:defRPr sz="900" b="0" i="0" u="none" strike="noStrike" kern="1200" baseline="0">
+                  <a:solidFill>
+                    <a:schemeClr val="tx1">
+                      <a:lumMod val="75000"/>
+                      <a:lumOff val="25000"/>
+                    </a:schemeClr>
+                  </a:solidFill>
+                  <a:latin typeface="+mn-lt"/>
+                  <a:ea typeface="+mn-ea"/>
+                  <a:cs typeface="+mn-cs"/>
+                </a:defRPr>
+              </a:pPr>
+              <a:endParaRPr lang="en-US"/>
+            </a:p>
+          </c:txPr>
+          <c:dLblPos val="bestFit"/>
+          <c:showLegendKey val="0"/>
+          <c:showVal val="1"/>
+          <c:showCatName val="0"/>
+          <c:showSerName val="0"/>
+          <c:showPercent val="0"/>
+          <c:showBubbleSize val="0"/>
+          <c:extLst>
+            <c:ext xmlns:c15="http://schemas.microsoft.com/office/drawing/2012/chart" uri="{CE6537A1-D6FC-4f65-9D91-7224C49458BB}"/>
+          </c:extLst>
+        </c:dLbl>
+      </c:pivotFmt>
+      <c:pivotFmt>
+        <c:idx val="6"/>
+        <c:spPr>
+          <a:solidFill>
+            <a:srgbClr val="00B050"/>
+          </a:solidFill>
+          <a:ln w="19050">
+            <a:solidFill>
+              <a:schemeClr val="lt1"/>
+            </a:solidFill>
+          </a:ln>
+          <a:effectLst/>
+        </c:spPr>
+      </c:pivotFmt>
+      <c:pivotFmt>
+        <c:idx val="7"/>
+        <c:spPr>
+          <a:solidFill>
+            <a:srgbClr val="00B0F0"/>
+          </a:solidFill>
+          <a:ln w="19050">
+            <a:solidFill>
+              <a:schemeClr val="lt1"/>
+            </a:solidFill>
+          </a:ln>
+          <a:effectLst/>
+        </c:spPr>
+      </c:pivotFmt>
+      <c:pivotFmt>
+        <c:idx val="8"/>
+        <c:spPr>
+          <a:solidFill>
+            <a:srgbClr val="9751CB"/>
+          </a:solidFill>
+          <a:ln w="19050">
+            <a:solidFill>
+              <a:schemeClr val="lt1"/>
+            </a:solidFill>
+          </a:ln>
+          <a:effectLst/>
+        </c:spPr>
+      </c:pivotFmt>
+      <c:pivotFmt>
+        <c:idx val="9"/>
+        <c:spPr>
+          <a:solidFill>
+            <a:srgbClr val="FF0000"/>
+          </a:solidFill>
+          <a:ln w="19050">
+            <a:solidFill>
+              <a:schemeClr val="lt1"/>
+            </a:solidFill>
+          </a:ln>
+          <a:effectLst/>
+        </c:spPr>
+      </c:pivotFmt>
+      <c:pivotFmt>
+        <c:idx val="10"/>
+        <c:spPr>
+          <a:solidFill>
+            <a:schemeClr val="accent1"/>
+          </a:solidFill>
+          <a:ln w="19050">
+            <a:solidFill>
+              <a:schemeClr val="lt1"/>
+            </a:solidFill>
+          </a:ln>
+          <a:effectLst/>
+        </c:spPr>
+        <c:marker>
+          <c:symbol val="none"/>
+        </c:marker>
+        <c:dLbl>
+          <c:idx val="0"/>
+          <c:spPr>
+            <a:noFill/>
+            <a:ln>
+              <a:noFill/>
+            </a:ln>
+            <a:effectLst/>
+          </c:spPr>
+          <c:txPr>
+            <a:bodyPr rot="0" spcFirstLastPara="1" vertOverflow="ellipsis" vert="horz" wrap="square" lIns="38100" tIns="19050" rIns="38100" bIns="19050" anchor="ctr" anchorCtr="1">
+              <a:spAutoFit/>
+            </a:bodyPr>
+            <a:lstStyle/>
+            <a:p>
+              <a:pPr>
+                <a:defRPr sz="900" b="0" i="0" u="none" strike="noStrike" kern="1200" baseline="0">
+                  <a:solidFill>
+                    <a:schemeClr val="tx1">
+                      <a:lumMod val="75000"/>
+                      <a:lumOff val="25000"/>
+                    </a:schemeClr>
+                  </a:solidFill>
+                  <a:latin typeface="+mn-lt"/>
+                  <a:ea typeface="+mn-ea"/>
+                  <a:cs typeface="+mn-cs"/>
+                </a:defRPr>
+              </a:pPr>
+              <a:endParaRPr lang="en-US"/>
+            </a:p>
+          </c:txPr>
+          <c:dLblPos val="bestFit"/>
+          <c:showLegendKey val="0"/>
+          <c:showVal val="1"/>
+          <c:showCatName val="0"/>
+          <c:showSerName val="0"/>
+          <c:showPercent val="0"/>
+          <c:showBubbleSize val="0"/>
+          <c:extLst>
+            <c:ext xmlns:c15="http://schemas.microsoft.com/office/drawing/2012/chart" uri="{CE6537A1-D6FC-4f65-9D91-7224C49458BB}"/>
+          </c:extLst>
+        </c:dLbl>
+      </c:pivotFmt>
+      <c:pivotFmt>
+        <c:idx val="11"/>
+        <c:spPr>
+          <a:solidFill>
+            <a:srgbClr val="00B050"/>
+          </a:solidFill>
+          <a:ln w="19050">
+            <a:solidFill>
+              <a:schemeClr val="lt1"/>
+            </a:solidFill>
+          </a:ln>
+          <a:effectLst/>
+        </c:spPr>
+      </c:pivotFmt>
+      <c:pivotFmt>
+        <c:idx val="12"/>
+        <c:spPr>
+          <a:solidFill>
+            <a:srgbClr val="00B0F0"/>
+          </a:solidFill>
+          <a:ln w="19050">
+            <a:solidFill>
+              <a:schemeClr val="lt1"/>
+            </a:solidFill>
+          </a:ln>
+          <a:effectLst/>
+        </c:spPr>
+      </c:pivotFmt>
+      <c:pivotFmt>
+        <c:idx val="13"/>
+        <c:spPr>
+          <a:solidFill>
+            <a:srgbClr val="9751CB"/>
+          </a:solidFill>
+          <a:ln w="19050">
+            <a:solidFill>
+              <a:schemeClr val="lt1"/>
+            </a:solidFill>
+          </a:ln>
+          <a:effectLst/>
+        </c:spPr>
+      </c:pivotFmt>
+      <c:pivotFmt>
+        <c:idx val="14"/>
+        <c:spPr>
+          <a:solidFill>
+            <a:srgbClr val="FF0000"/>
+          </a:solidFill>
+          <a:ln w="19050">
+            <a:solidFill>
+              <a:schemeClr val="lt1"/>
+            </a:solidFill>
+          </a:ln>
+          <a:effectLst/>
+        </c:spPr>
+      </c:pivotFmt>
+    </c:pivotFmts>
+    <c:plotArea>
+      <c:layout/>
+      <c:pieChart>
+        <c:varyColors val="1"/>
+        <c:ser>
+          <c:idx val="0"/>
+          <c:order val="0"/>
+          <c:tx>
+            <c:strRef>
+              <c:f>Sheet7!$B$4</c:f>
+              <c:strCache>
+                <c:ptCount val="1"/>
+                <c:pt idx="0">
+                  <c:v>Total</c:v>
+                </c:pt>
+              </c:strCache>
+            </c:strRef>
+          </c:tx>
+          <c:dPt>
+            <c:idx val="0"/>
+            <c:bubble3D val="0"/>
+            <c:spPr>
+              <a:solidFill>
+                <a:srgbClr val="00B050"/>
+              </a:solidFill>
+              <a:ln w="19050">
+                <a:solidFill>
+                  <a:schemeClr val="lt1"/>
+                </a:solidFill>
+              </a:ln>
+              <a:effectLst/>
+            </c:spPr>
+            <c:extLst>
+              <c:ext xmlns:c16="http://schemas.microsoft.com/office/drawing/2014/chart" uri="{C3380CC4-5D6E-409C-BE32-E72D297353CC}">
+                <c16:uniqueId val="{00000001-BAC0-4249-BFB5-7E1BEB089143}"/>
+              </c:ext>
+            </c:extLst>
+          </c:dPt>
+          <c:dPt>
+            <c:idx val="1"/>
+            <c:bubble3D val="0"/>
+            <c:spPr>
+              <a:solidFill>
+                <a:srgbClr val="00B0F0"/>
+              </a:solidFill>
+              <a:ln w="19050">
+                <a:solidFill>
+                  <a:schemeClr val="lt1"/>
+                </a:solidFill>
+              </a:ln>
+              <a:effectLst/>
+            </c:spPr>
+            <c:extLst>
+              <c:ext xmlns:c16="http://schemas.microsoft.com/office/drawing/2014/chart" uri="{C3380CC4-5D6E-409C-BE32-E72D297353CC}">
+                <c16:uniqueId val="{00000003-BAC0-4249-BFB5-7E1BEB089143}"/>
+              </c:ext>
+            </c:extLst>
+          </c:dPt>
+          <c:dPt>
+            <c:idx val="2"/>
+            <c:bubble3D val="0"/>
+            <c:spPr>
+              <a:solidFill>
+                <a:srgbClr val="9751CB"/>
+              </a:solidFill>
+              <a:ln w="19050">
+                <a:solidFill>
+                  <a:schemeClr val="lt1"/>
+                </a:solidFill>
+              </a:ln>
+              <a:effectLst/>
+            </c:spPr>
+            <c:extLst>
+              <c:ext xmlns:c16="http://schemas.microsoft.com/office/drawing/2014/chart" uri="{C3380CC4-5D6E-409C-BE32-E72D297353CC}">
+                <c16:uniqueId val="{00000005-BAC0-4249-BFB5-7E1BEB089143}"/>
+              </c:ext>
+            </c:extLst>
+          </c:dPt>
+          <c:dPt>
+            <c:idx val="3"/>
+            <c:bubble3D val="0"/>
+            <c:spPr>
+              <a:solidFill>
+                <a:srgbClr val="FF0000"/>
+              </a:solidFill>
+              <a:ln w="19050">
+                <a:solidFill>
+                  <a:schemeClr val="lt1"/>
+                </a:solidFill>
+              </a:ln>
+              <a:effectLst/>
+            </c:spPr>
+            <c:extLst>
+              <c:ext xmlns:c16="http://schemas.microsoft.com/office/drawing/2014/chart" uri="{C3380CC4-5D6E-409C-BE32-E72D297353CC}">
+                <c16:uniqueId val="{00000007-BAC0-4249-BFB5-7E1BEB089143}"/>
+              </c:ext>
+            </c:extLst>
+          </c:dPt>
+          <c:dLbls>
+            <c:spPr>
+              <a:noFill/>
+              <a:ln>
+                <a:noFill/>
+              </a:ln>
+              <a:effectLst/>
+            </c:spPr>
+            <c:txPr>
+              <a:bodyPr rot="0" spcFirstLastPara="1" vertOverflow="ellipsis" vert="horz" wrap="square" lIns="38100" tIns="19050" rIns="38100" bIns="19050" anchor="ctr" anchorCtr="1">
+                <a:spAutoFit/>
+              </a:bodyPr>
+              <a:lstStyle/>
+              <a:p>
+                <a:pPr>
+                  <a:defRPr sz="900" b="0" i="0" u="none" strike="noStrike" kern="1200" baseline="0">
+                    <a:solidFill>
+                      <a:schemeClr val="tx1">
+                        <a:lumMod val="75000"/>
+                        <a:lumOff val="25000"/>
+                      </a:schemeClr>
+                    </a:solidFill>
+                    <a:latin typeface="+mn-lt"/>
+                    <a:ea typeface="+mn-ea"/>
+                    <a:cs typeface="+mn-cs"/>
+                  </a:defRPr>
+                </a:pPr>
+                <a:endParaRPr lang="en-US"/>
+              </a:p>
+            </c:txPr>
+            <c:dLblPos val="bestFit"/>
+            <c:showLegendKey val="0"/>
+            <c:showVal val="1"/>
+            <c:showCatName val="0"/>
+            <c:showSerName val="0"/>
+            <c:showPercent val="0"/>
+            <c:showBubbleSize val="0"/>
+            <c:showLeaderLines val="1"/>
+            <c:leaderLines>
+              <c:spPr>
+                <a:ln w="9525" cap="flat" cmpd="sng" algn="ctr">
+                  <a:solidFill>
+                    <a:schemeClr val="tx1">
+                      <a:lumMod val="35000"/>
+                      <a:lumOff val="65000"/>
+                    </a:schemeClr>
+                  </a:solidFill>
+                  <a:round/>
+                </a:ln>
+                <a:effectLst/>
+              </c:spPr>
+            </c:leaderLines>
+            <c:extLst>
+              <c:ext xmlns:c15="http://schemas.microsoft.com/office/drawing/2012/chart" uri="{CE6537A1-D6FC-4f65-9D91-7224C49458BB}"/>
+            </c:extLst>
+          </c:dLbls>
+          <c:cat>
+            <c:strRef>
+              <c:f>Sheet7!$A$5:$A$8</c:f>
+              <c:strCache>
+                <c:ptCount val="4"/>
+                <c:pt idx="0">
+                  <c:v>Q6.1. Do you have an Education Strategy or Business Plan in place?</c:v>
+                </c:pt>
+                <c:pt idx="1">
+                  <c:v>Q6.2. Being developed?</c:v>
+                </c:pt>
+                <c:pt idx="2">
+                  <c:v>Q6.3. Would consider setting up?</c:v>
+                </c:pt>
+                <c:pt idx="3">
+                  <c:v>Q6.4. No?</c:v>
+                </c:pt>
+              </c:strCache>
+            </c:strRef>
+          </c:cat>
+          <c:val>
+            <c:numRef>
+              <c:f>Sheet7!$B$5:$B$8</c:f>
+              <c:numCache>
+                <c:formatCode>0%</c:formatCode>
+                <c:ptCount val="4"/>
+                <c:pt idx="0">
+                  <c:v>0.22222222222222221</c:v>
+                </c:pt>
+                <c:pt idx="1">
+                  <c:v>0.37037037037037035</c:v>
+                </c:pt>
+                <c:pt idx="2">
+                  <c:v>0.29629629629629628</c:v>
+                </c:pt>
+                <c:pt idx="3">
+                  <c:v>0.1111111111111111</c:v>
+                </c:pt>
+              </c:numCache>
+            </c:numRef>
+          </c:val>
+          <c:extLst>
+            <c:ext xmlns:c16="http://schemas.microsoft.com/office/drawing/2014/chart" uri="{C3380CC4-5D6E-409C-BE32-E72D297353CC}">
+              <c16:uniqueId val="{00000008-BAC0-4249-BFB5-7E1BEB089143}"/>
+            </c:ext>
+          </c:extLst>
+        </c:ser>
+        <c:dLbls>
+          <c:showLegendKey val="0"/>
+          <c:showVal val="0"/>
+          <c:showCatName val="0"/>
+          <c:showSerName val="0"/>
+          <c:showPercent val="0"/>
+          <c:showBubbleSize val="0"/>
+          <c:showLeaderLines val="1"/>
+        </c:dLbls>
+        <c:firstSliceAng val="0"/>
+      </c:pieChart>
+      <c:spPr>
+        <a:noFill/>
+        <a:ln>
+          <a:noFill/>
+        </a:ln>
+        <a:effectLst/>
+      </c:spPr>
+    </c:plotArea>
+    <c:legend>
+      <c:legendPos val="r"/>
+      <c:overlay val="0"/>
+      <c:spPr>
+        <a:noFill/>
+        <a:ln>
+          <a:noFill/>
+        </a:ln>
+        <a:effectLst/>
+      </c:spPr>
+      <c:txPr>
+        <a:bodyPr rot="0" spcFirstLastPara="1" vertOverflow="ellipsis" vert="horz" wrap="square" anchor="ctr" anchorCtr="1"/>
+        <a:lstStyle/>
+        <a:p>
+          <a:pPr>
+            <a:defRPr sz="900" b="0" i="0" u="none" strike="noStrike" kern="1200" baseline="0">
+              <a:solidFill>
+                <a:schemeClr val="tx1">
+                  <a:lumMod val="65000"/>
+                  <a:lumOff val="35000"/>
+                </a:schemeClr>
+              </a:solidFill>
+              <a:latin typeface="+mn-lt"/>
+              <a:ea typeface="+mn-ea"/>
+              <a:cs typeface="+mn-cs"/>
+            </a:defRPr>
+          </a:pPr>
+          <a:endParaRPr lang="en-US"/>
+        </a:p>
+      </c:txPr>
+    </c:legend>
+    <c:plotVisOnly val="1"/>
+    <c:dispBlanksAs val="gap"/>
+    <c:extLst>
+      <c:ext xmlns:c16r3="http://schemas.microsoft.com/office/drawing/2017/03/chart" uri="{56B9EC1D-385E-4148-901F-78D8002777C0}">
+        <c16r3:dataDisplayOptions16>
+          <c16r3:dispNaAsBlank val="1"/>
+        </c16r3:dataDisplayOptions16>
+      </c:ext>
+    </c:extLst>
+    <c:showDLblsOverMax val="0"/>
+  </c:chart>
+  <c:spPr>
+    <a:noFill/>
+    <a:ln>
+      <a:noFill/>
+    </a:ln>
+    <a:effectLst/>
+  </c:spPr>
+  <c:txPr>
+    <a:bodyPr/>
+    <a:lstStyle/>
+    <a:p>
+      <a:pPr>
+        <a:defRPr/>
+      </a:pPr>
+      <a:endParaRPr lang="en-US"/>
+    </a:p>
+  </c:txPr>
+  <c:externalData r:id="rId3">
+    <c:autoUpdate val="0"/>
+  </c:externalData>
+  <c:extLst>
+    <c:ext xmlns:c14="http://schemas.microsoft.com/office/drawing/2007/8/2/chart" uri="{781A3756-C4B2-4CAC-9D66-4F8BD8637D16}">
+      <c14:pivotOptions>
+        <c14:dropZoneFilter val="1"/>
+        <c14:dropZoneCategories val="1"/>
+        <c14:dropZoneData val="1"/>
+        <c14:dropZoneSeries val="1"/>
+      </c14:pivotOptions>
+    </c:ext>
+    <c:ext xmlns:c16="http://schemas.microsoft.com/office/drawing/2014/chart" uri="{E28EC0CA-F0BB-4C9C-879D-F8772B89E7AC}">
+      <c16:pivotOptions16>
+        <c16:showExpandCollapseFieldButtons val="1"/>
+      </c16:pivotOptions16>
+    </c:ext>
+  </c:extLst>
+</c:chartSpace>
+</file>
+
 <file path=ppt/charts/colors1.xml><?xml version="1.0" encoding="utf-8"?>
+<cs:colorStyle xmlns:cs="http://schemas.microsoft.com/office/drawing/2012/chartStyle" xmlns:a="http://schemas.openxmlformats.org/drawingml/2006/main" meth="cycle" id="10">
+  <a:schemeClr val="accent1"/>
+  <a:schemeClr val="accent2"/>
+  <a:schemeClr val="accent3"/>
+  <a:schemeClr val="accent4"/>
+  <a:schemeClr val="accent5"/>
+  <a:schemeClr val="accent6"/>
+  <cs:variation/>
+  <cs:variation>
+    <a:lumMod val="60000"/>
+  </cs:variation>
+  <cs:variation>
+    <a:lumMod val="80000"/>
+    <a:lumOff val="20000"/>
+  </cs:variation>
+  <cs:variation>
+    <a:lumMod val="80000"/>
+  </cs:variation>
+  <cs:variation>
+    <a:lumMod val="60000"/>
+    <a:lumOff val="40000"/>
+  </cs:variation>
+  <cs:variation>
+    <a:lumMod val="50000"/>
+  </cs:variation>
+  <cs:variation>
+    <a:lumMod val="70000"/>
+    <a:lumOff val="30000"/>
+  </cs:variation>
+  <cs:variation>
+    <a:lumMod val="70000"/>
+  </cs:variation>
+  <cs:variation>
+    <a:lumMod val="50000"/>
+    <a:lumOff val="50000"/>
+  </cs:variation>
+</cs:colorStyle>
+</file>
+
+<file path=ppt/charts/colors2.xml><?xml version="1.0" encoding="utf-8"?>
 <cs:colorStyle xmlns:cs="http://schemas.microsoft.com/office/drawing/2012/chartStyle" xmlns:a="http://schemas.openxmlformats.org/drawingml/2006/main" meth="cycle" id="10">
   <a:schemeClr val="accent1"/>
   <a:schemeClr val="accent2"/>
@@ -956,6 +1669,525 @@
 
 <file path=ppt/charts/style1.xml><?xml version="1.0" encoding="utf-8"?>
 <cs:chartStyle xmlns:cs="http://schemas.microsoft.com/office/drawing/2012/chartStyle" xmlns:a="http://schemas.openxmlformats.org/drawingml/2006/main" id="262">
+  <cs:axisTitle>
+    <cs:lnRef idx="0"/>
+    <cs:fillRef idx="0"/>
+    <cs:effectRef idx="0"/>
+    <cs:fontRef idx="minor">
+      <a:schemeClr val="tx1">
+        <a:lumMod val="65000"/>
+        <a:lumOff val="35000"/>
+      </a:schemeClr>
+    </cs:fontRef>
+    <cs:defRPr sz="1000" kern="1200"/>
+  </cs:axisTitle>
+  <cs:categoryAxis>
+    <cs:lnRef idx="0"/>
+    <cs:fillRef idx="0"/>
+    <cs:effectRef idx="0"/>
+    <cs:fontRef idx="minor">
+      <a:schemeClr val="tx1">
+        <a:lumMod val="65000"/>
+        <a:lumOff val="35000"/>
+      </a:schemeClr>
+    </cs:fontRef>
+    <cs:spPr>
+      <a:ln w="9525" cap="flat" cmpd="sng" algn="ctr">
+        <a:solidFill>
+          <a:schemeClr val="tx1">
+            <a:lumMod val="15000"/>
+            <a:lumOff val="85000"/>
+          </a:schemeClr>
+        </a:solidFill>
+        <a:round/>
+      </a:ln>
+    </cs:spPr>
+    <cs:defRPr sz="900" kern="1200"/>
+  </cs:categoryAxis>
+  <cs:chartArea mods="allowNoFillOverride allowNoLineOverride">
+    <cs:lnRef idx="0"/>
+    <cs:fillRef idx="0"/>
+    <cs:effectRef idx="0"/>
+    <cs:fontRef idx="minor">
+      <a:schemeClr val="tx1"/>
+    </cs:fontRef>
+    <cs:spPr>
+      <a:solidFill>
+        <a:schemeClr val="bg1"/>
+      </a:solidFill>
+      <a:ln w="9525" cap="flat" cmpd="sng" algn="ctr">
+        <a:solidFill>
+          <a:schemeClr val="tx1">
+            <a:lumMod val="15000"/>
+            <a:lumOff val="85000"/>
+          </a:schemeClr>
+        </a:solidFill>
+        <a:round/>
+      </a:ln>
+    </cs:spPr>
+    <cs:defRPr sz="900" kern="1200"/>
+  </cs:chartArea>
+  <cs:dataLabel>
+    <cs:lnRef idx="0"/>
+    <cs:fillRef idx="0"/>
+    <cs:effectRef idx="0"/>
+    <cs:fontRef idx="minor">
+      <a:schemeClr val="tx1">
+        <a:lumMod val="75000"/>
+        <a:lumOff val="25000"/>
+      </a:schemeClr>
+    </cs:fontRef>
+    <cs:defRPr sz="900" kern="1200"/>
+  </cs:dataLabel>
+  <cs:dataLabelCallout>
+    <cs:lnRef idx="0"/>
+    <cs:fillRef idx="0"/>
+    <cs:effectRef idx="0"/>
+    <cs:fontRef idx="minor">
+      <a:schemeClr val="dk1">
+        <a:lumMod val="65000"/>
+        <a:lumOff val="35000"/>
+      </a:schemeClr>
+    </cs:fontRef>
+    <cs:spPr>
+      <a:solidFill>
+        <a:schemeClr val="lt1"/>
+      </a:solidFill>
+      <a:ln>
+        <a:solidFill>
+          <a:schemeClr val="dk1">
+            <a:lumMod val="25000"/>
+            <a:lumOff val="75000"/>
+          </a:schemeClr>
+        </a:solidFill>
+      </a:ln>
+    </cs:spPr>
+    <cs:defRPr sz="900" kern="1200"/>
+    <cs:bodyPr rot="0" spcFirstLastPara="1" vertOverflow="clip" horzOverflow="clip" vert="horz" wrap="square" lIns="36576" tIns="18288" rIns="36576" bIns="18288" anchor="ctr" anchorCtr="1">
+      <a:spAutoFit/>
+    </cs:bodyPr>
+  </cs:dataLabelCallout>
+  <cs:dataPoint>
+    <cs:lnRef idx="0"/>
+    <cs:fillRef idx="1">
+      <cs:styleClr val="auto"/>
+    </cs:fillRef>
+    <cs:effectRef idx="0"/>
+    <cs:fontRef idx="minor">
+      <a:schemeClr val="tx1"/>
+    </cs:fontRef>
+    <cs:spPr>
+      <a:ln w="19050">
+        <a:solidFill>
+          <a:schemeClr val="lt1"/>
+        </a:solidFill>
+      </a:ln>
+    </cs:spPr>
+  </cs:dataPoint>
+  <cs:dataPoint3D>
+    <cs:lnRef idx="0"/>
+    <cs:fillRef idx="1">
+      <cs:styleClr val="auto"/>
+    </cs:fillRef>
+    <cs:effectRef idx="0"/>
+    <cs:fontRef idx="minor">
+      <a:schemeClr val="tx1"/>
+    </cs:fontRef>
+    <cs:spPr>
+      <a:ln w="25400">
+        <a:solidFill>
+          <a:schemeClr val="lt1"/>
+        </a:solidFill>
+      </a:ln>
+    </cs:spPr>
+  </cs:dataPoint3D>
+  <cs:dataPointLine>
+    <cs:lnRef idx="0">
+      <cs:styleClr val="auto"/>
+    </cs:lnRef>
+    <cs:fillRef idx="0"/>
+    <cs:effectRef idx="0"/>
+    <cs:fontRef idx="minor">
+      <a:schemeClr val="tx1"/>
+    </cs:fontRef>
+    <cs:spPr>
+      <a:ln w="28575" cap="rnd">
+        <a:solidFill>
+          <a:schemeClr val="phClr"/>
+        </a:solidFill>
+        <a:round/>
+      </a:ln>
+    </cs:spPr>
+  </cs:dataPointLine>
+  <cs:dataPointMarker>
+    <cs:lnRef idx="0">
+      <cs:styleClr val="auto"/>
+    </cs:lnRef>
+    <cs:fillRef idx="1">
+      <cs:styleClr val="auto"/>
+    </cs:fillRef>
+    <cs:effectRef idx="0"/>
+    <cs:fontRef idx="minor">
+      <a:schemeClr val="tx1"/>
+    </cs:fontRef>
+    <cs:spPr>
+      <a:ln w="9525">
+        <a:solidFill>
+          <a:schemeClr val="phClr"/>
+        </a:solidFill>
+      </a:ln>
+    </cs:spPr>
+  </cs:dataPointMarker>
+  <cs:dataPointMarkerLayout symbol="circle" size="5"/>
+  <cs:dataPointWireframe>
+    <cs:lnRef idx="0">
+      <cs:styleClr val="auto"/>
+    </cs:lnRef>
+    <cs:fillRef idx="0"/>
+    <cs:effectRef idx="0"/>
+    <cs:fontRef idx="minor">
+      <a:schemeClr val="tx1"/>
+    </cs:fontRef>
+    <cs:spPr>
+      <a:ln w="9525" cap="rnd">
+        <a:solidFill>
+          <a:schemeClr val="phClr"/>
+        </a:solidFill>
+        <a:round/>
+      </a:ln>
+    </cs:spPr>
+  </cs:dataPointWireframe>
+  <cs:dataTable>
+    <cs:lnRef idx="0"/>
+    <cs:fillRef idx="0"/>
+    <cs:effectRef idx="0"/>
+    <cs:fontRef idx="minor">
+      <a:schemeClr val="tx1">
+        <a:lumMod val="65000"/>
+        <a:lumOff val="35000"/>
+      </a:schemeClr>
+    </cs:fontRef>
+    <cs:spPr>
+      <a:noFill/>
+      <a:ln w="9525" cap="flat" cmpd="sng" algn="ctr">
+        <a:solidFill>
+          <a:schemeClr val="tx1">
+            <a:lumMod val="15000"/>
+            <a:lumOff val="85000"/>
+          </a:schemeClr>
+        </a:solidFill>
+        <a:round/>
+      </a:ln>
+    </cs:spPr>
+    <cs:defRPr sz="900" kern="1200"/>
+  </cs:dataTable>
+  <cs:downBar>
+    <cs:lnRef idx="0"/>
+    <cs:fillRef idx="0"/>
+    <cs:effectRef idx="0"/>
+    <cs:fontRef idx="minor">
+      <a:schemeClr val="tx1"/>
+    </cs:fontRef>
+    <cs:spPr>
+      <a:solidFill>
+        <a:schemeClr val="dk1">
+          <a:lumMod val="75000"/>
+          <a:lumOff val="25000"/>
+        </a:schemeClr>
+      </a:solidFill>
+      <a:ln w="9525" cap="flat" cmpd="sng" algn="ctr">
+        <a:solidFill>
+          <a:schemeClr val="tx1">
+            <a:lumMod val="65000"/>
+            <a:lumOff val="35000"/>
+          </a:schemeClr>
+        </a:solidFill>
+        <a:round/>
+      </a:ln>
+    </cs:spPr>
+  </cs:downBar>
+  <cs:dropLine>
+    <cs:lnRef idx="0"/>
+    <cs:fillRef idx="0"/>
+    <cs:effectRef idx="0"/>
+    <cs:fontRef idx="minor">
+      <a:schemeClr val="tx1"/>
+    </cs:fontRef>
+    <cs:spPr>
+      <a:ln w="9525" cap="flat" cmpd="sng" algn="ctr">
+        <a:solidFill>
+          <a:schemeClr val="tx1">
+            <a:lumMod val="35000"/>
+            <a:lumOff val="65000"/>
+          </a:schemeClr>
+        </a:solidFill>
+        <a:round/>
+      </a:ln>
+    </cs:spPr>
+  </cs:dropLine>
+  <cs:errorBar>
+    <cs:lnRef idx="0"/>
+    <cs:fillRef idx="0"/>
+    <cs:effectRef idx="0"/>
+    <cs:fontRef idx="minor">
+      <a:schemeClr val="tx1"/>
+    </cs:fontRef>
+    <cs:spPr>
+      <a:ln w="9525" cap="flat" cmpd="sng" algn="ctr">
+        <a:solidFill>
+          <a:schemeClr val="tx1">
+            <a:lumMod val="65000"/>
+            <a:lumOff val="35000"/>
+          </a:schemeClr>
+        </a:solidFill>
+        <a:round/>
+      </a:ln>
+    </cs:spPr>
+  </cs:errorBar>
+  <cs:floor>
+    <cs:lnRef idx="0"/>
+    <cs:fillRef idx="0"/>
+    <cs:effectRef idx="0"/>
+    <cs:fontRef idx="minor">
+      <a:schemeClr val="tx1"/>
+    </cs:fontRef>
+    <cs:spPr>
+      <a:noFill/>
+      <a:ln>
+        <a:noFill/>
+      </a:ln>
+    </cs:spPr>
+  </cs:floor>
+  <cs:gridlineMajor>
+    <cs:lnRef idx="0"/>
+    <cs:fillRef idx="0"/>
+    <cs:effectRef idx="0"/>
+    <cs:fontRef idx="minor">
+      <a:schemeClr val="tx1"/>
+    </cs:fontRef>
+    <cs:spPr>
+      <a:ln w="9525" cap="flat" cmpd="sng" algn="ctr">
+        <a:solidFill>
+          <a:schemeClr val="tx1">
+            <a:lumMod val="15000"/>
+            <a:lumOff val="85000"/>
+          </a:schemeClr>
+        </a:solidFill>
+        <a:round/>
+      </a:ln>
+    </cs:spPr>
+  </cs:gridlineMajor>
+  <cs:gridlineMinor>
+    <cs:lnRef idx="0"/>
+    <cs:fillRef idx="0"/>
+    <cs:effectRef idx="0"/>
+    <cs:fontRef idx="minor">
+      <a:schemeClr val="tx1"/>
+    </cs:fontRef>
+    <cs:spPr>
+      <a:ln w="9525" cap="flat" cmpd="sng" algn="ctr">
+        <a:solidFill>
+          <a:schemeClr val="tx1">
+            <a:lumMod val="5000"/>
+            <a:lumOff val="95000"/>
+          </a:schemeClr>
+        </a:solidFill>
+        <a:round/>
+      </a:ln>
+    </cs:spPr>
+  </cs:gridlineMinor>
+  <cs:hiLoLine>
+    <cs:lnRef idx="0"/>
+    <cs:fillRef idx="0"/>
+    <cs:effectRef idx="0"/>
+    <cs:fontRef idx="minor">
+      <a:schemeClr val="tx1"/>
+    </cs:fontRef>
+    <cs:spPr>
+      <a:ln w="9525" cap="flat" cmpd="sng" algn="ctr">
+        <a:solidFill>
+          <a:schemeClr val="tx1">
+            <a:lumMod val="50000"/>
+            <a:lumOff val="50000"/>
+          </a:schemeClr>
+        </a:solidFill>
+        <a:round/>
+      </a:ln>
+    </cs:spPr>
+  </cs:hiLoLine>
+  <cs:leaderLine>
+    <cs:lnRef idx="0"/>
+    <cs:fillRef idx="0"/>
+    <cs:effectRef idx="0"/>
+    <cs:fontRef idx="minor">
+      <a:schemeClr val="tx1"/>
+    </cs:fontRef>
+    <cs:spPr>
+      <a:ln w="9525" cap="flat" cmpd="sng" algn="ctr">
+        <a:solidFill>
+          <a:schemeClr val="tx1">
+            <a:lumMod val="35000"/>
+            <a:lumOff val="65000"/>
+          </a:schemeClr>
+        </a:solidFill>
+        <a:round/>
+      </a:ln>
+    </cs:spPr>
+  </cs:leaderLine>
+  <cs:legend>
+    <cs:lnRef idx="0"/>
+    <cs:fillRef idx="0"/>
+    <cs:effectRef idx="0"/>
+    <cs:fontRef idx="minor">
+      <a:schemeClr val="tx1">
+        <a:lumMod val="65000"/>
+        <a:lumOff val="35000"/>
+      </a:schemeClr>
+    </cs:fontRef>
+    <cs:defRPr sz="900" kern="1200"/>
+  </cs:legend>
+  <cs:plotArea mods="allowNoFillOverride allowNoLineOverride">
+    <cs:lnRef idx="0"/>
+    <cs:fillRef idx="0"/>
+    <cs:effectRef idx="0"/>
+    <cs:fontRef idx="minor">
+      <a:schemeClr val="tx1"/>
+    </cs:fontRef>
+  </cs:plotArea>
+  <cs:plotArea3D mods="allowNoFillOverride allowNoLineOverride">
+    <cs:lnRef idx="0"/>
+    <cs:fillRef idx="0"/>
+    <cs:effectRef idx="0"/>
+    <cs:fontRef idx="minor">
+      <a:schemeClr val="tx1"/>
+    </cs:fontRef>
+  </cs:plotArea3D>
+  <cs:seriesAxis>
+    <cs:lnRef idx="0"/>
+    <cs:fillRef idx="0"/>
+    <cs:effectRef idx="0"/>
+    <cs:fontRef idx="minor">
+      <a:schemeClr val="tx1">
+        <a:lumMod val="65000"/>
+        <a:lumOff val="35000"/>
+      </a:schemeClr>
+    </cs:fontRef>
+    <cs:defRPr sz="900" kern="1200"/>
+  </cs:seriesAxis>
+  <cs:seriesLine>
+    <cs:lnRef idx="0"/>
+    <cs:fillRef idx="0"/>
+    <cs:effectRef idx="0"/>
+    <cs:fontRef idx="minor">
+      <a:schemeClr val="tx1"/>
+    </cs:fontRef>
+    <cs:spPr>
+      <a:ln w="9525" cap="flat" cmpd="sng" algn="ctr">
+        <a:solidFill>
+          <a:schemeClr val="tx1">
+            <a:lumMod val="35000"/>
+            <a:lumOff val="65000"/>
+          </a:schemeClr>
+        </a:solidFill>
+        <a:round/>
+      </a:ln>
+    </cs:spPr>
+  </cs:seriesLine>
+  <cs:title>
+    <cs:lnRef idx="0"/>
+    <cs:fillRef idx="0"/>
+    <cs:effectRef idx="0"/>
+    <cs:fontRef idx="minor">
+      <a:schemeClr val="tx1">
+        <a:lumMod val="65000"/>
+        <a:lumOff val="35000"/>
+      </a:schemeClr>
+    </cs:fontRef>
+    <cs:defRPr sz="1400" b="0" kern="1200" spc="0" baseline="0"/>
+  </cs:title>
+  <cs:trendline>
+    <cs:lnRef idx="0">
+      <cs:styleClr val="auto"/>
+    </cs:lnRef>
+    <cs:fillRef idx="0"/>
+    <cs:effectRef idx="0"/>
+    <cs:fontRef idx="minor">
+      <a:schemeClr val="tx1"/>
+    </cs:fontRef>
+    <cs:spPr>
+      <a:ln w="19050" cap="rnd">
+        <a:solidFill>
+          <a:schemeClr val="phClr"/>
+        </a:solidFill>
+        <a:prstDash val="sysDot"/>
+      </a:ln>
+    </cs:spPr>
+  </cs:trendline>
+  <cs:trendlineLabel>
+    <cs:lnRef idx="0"/>
+    <cs:fillRef idx="0"/>
+    <cs:effectRef idx="0"/>
+    <cs:fontRef idx="minor">
+      <a:schemeClr val="tx1">
+        <a:lumMod val="65000"/>
+        <a:lumOff val="35000"/>
+      </a:schemeClr>
+    </cs:fontRef>
+    <cs:defRPr sz="900" kern="1200"/>
+  </cs:trendlineLabel>
+  <cs:upBar>
+    <cs:lnRef idx="0"/>
+    <cs:fillRef idx="0"/>
+    <cs:effectRef idx="0"/>
+    <cs:fontRef idx="minor">
+      <a:schemeClr val="tx1"/>
+    </cs:fontRef>
+    <cs:spPr>
+      <a:solidFill>
+        <a:schemeClr val="lt1"/>
+      </a:solidFill>
+      <a:ln w="9525" cap="flat" cmpd="sng" algn="ctr">
+        <a:solidFill>
+          <a:schemeClr val="tx1">
+            <a:lumMod val="65000"/>
+            <a:lumOff val="35000"/>
+          </a:schemeClr>
+        </a:solidFill>
+        <a:round/>
+      </a:ln>
+    </cs:spPr>
+  </cs:upBar>
+  <cs:valueAxis>
+    <cs:lnRef idx="0"/>
+    <cs:fillRef idx="0"/>
+    <cs:effectRef idx="0"/>
+    <cs:fontRef idx="minor">
+      <a:schemeClr val="tx1">
+        <a:lumMod val="65000"/>
+        <a:lumOff val="35000"/>
+      </a:schemeClr>
+    </cs:fontRef>
+    <cs:defRPr sz="900" kern="1200"/>
+  </cs:valueAxis>
+  <cs:wall>
+    <cs:lnRef idx="0"/>
+    <cs:fillRef idx="0"/>
+    <cs:effectRef idx="0"/>
+    <cs:fontRef idx="minor">
+      <a:schemeClr val="tx1"/>
+    </cs:fontRef>
+    <cs:spPr>
+      <a:noFill/>
+      <a:ln>
+        <a:noFill/>
+      </a:ln>
+    </cs:spPr>
+  </cs:wall>
+</cs:chartStyle>
+</file>
+
+<file path=ppt/charts/style2.xml><?xml version="1.0" encoding="utf-8"?>
+<cs:chartStyle xmlns:cs="http://schemas.microsoft.com/office/drawing/2012/chartStyle" xmlns:a="http://schemas.openxmlformats.org/drawingml/2006/main" id="251">
   <cs:axisTitle>
     <cs:lnRef idx="0"/>
     <cs:fillRef idx="0"/>
@@ -2195,7 +3427,7 @@
           <a:p>
             <a:fld id="{9152829D-41CF-4512-B43F-2BD4B56BA179}" type="datetimeFigureOut">
               <a:rPr lang="en-ZA" smtClean="0"/>
-              <a:t>2022/02/21</a:t>
+              <a:t>2022/02/23</a:t>
             </a:fld>
             <a:endParaRPr lang="en-ZA"/>
           </a:p>
@@ -2246,7 +3478,7 @@
     </p:spTree>
     <p:extLst>
       <p:ext uri="{BB962C8B-B14F-4D97-AF65-F5344CB8AC3E}">
-        <p14:creationId xmlns:p14="http://schemas.microsoft.com/office/powerpoint/2010/main" val="1900631846"/>
+        <p14:creationId xmlns:p14="http://schemas.microsoft.com/office/powerpoint/2010/main" val="1786604500"/>
       </p:ext>
     </p:extLst>
   </p:cSld>
@@ -2446,7 +3678,7 @@
           <a:p>
             <a:fld id="{9152829D-41CF-4512-B43F-2BD4B56BA179}" type="datetimeFigureOut">
               <a:rPr lang="en-ZA" smtClean="0"/>
-              <a:t>2022/02/21</a:t>
+              <a:t>2022/02/23</a:t>
             </a:fld>
             <a:endParaRPr lang="en-ZA"/>
           </a:p>
@@ -2497,7 +3729,7 @@
     </p:spTree>
     <p:extLst>
       <p:ext uri="{BB962C8B-B14F-4D97-AF65-F5344CB8AC3E}">
-        <p14:creationId xmlns:p14="http://schemas.microsoft.com/office/powerpoint/2010/main" val="2442039395"/>
+        <p14:creationId xmlns:p14="http://schemas.microsoft.com/office/powerpoint/2010/main" val="4206653034"/>
       </p:ext>
     </p:extLst>
   </p:cSld>
@@ -2760,7 +3992,7 @@
           <a:p>
             <a:fld id="{9152829D-41CF-4512-B43F-2BD4B56BA179}" type="datetimeFigureOut">
               <a:rPr lang="en-ZA" smtClean="0"/>
-              <a:t>2022/02/21</a:t>
+              <a:t>2022/02/23</a:t>
             </a:fld>
             <a:endParaRPr lang="en-ZA"/>
           </a:p>
@@ -2901,7 +4133,7 @@
     </p:spTree>
     <p:extLst>
       <p:ext uri="{BB962C8B-B14F-4D97-AF65-F5344CB8AC3E}">
-        <p14:creationId xmlns:p14="http://schemas.microsoft.com/office/powerpoint/2010/main" val="1635880947"/>
+        <p14:creationId xmlns:p14="http://schemas.microsoft.com/office/powerpoint/2010/main" val="198298220"/>
       </p:ext>
     </p:extLst>
   </p:cSld>
@@ -3101,7 +4333,7 @@
           <a:p>
             <a:fld id="{9152829D-41CF-4512-B43F-2BD4B56BA179}" type="datetimeFigureOut">
               <a:rPr lang="en-ZA" smtClean="0"/>
-              <a:t>2022/02/21</a:t>
+              <a:t>2022/02/23</a:t>
             </a:fld>
             <a:endParaRPr lang="en-ZA"/>
           </a:p>
@@ -3152,7 +4384,7 @@
     </p:spTree>
     <p:extLst>
       <p:ext uri="{BB962C8B-B14F-4D97-AF65-F5344CB8AC3E}">
-        <p14:creationId xmlns:p14="http://schemas.microsoft.com/office/powerpoint/2010/main" val="1729479666"/>
+        <p14:creationId xmlns:p14="http://schemas.microsoft.com/office/powerpoint/2010/main" val="2445967915"/>
       </p:ext>
     </p:extLst>
   </p:cSld>
@@ -3415,7 +4647,7 @@
           <a:p>
             <a:fld id="{9152829D-41CF-4512-B43F-2BD4B56BA179}" type="datetimeFigureOut">
               <a:rPr lang="en-ZA" smtClean="0"/>
-              <a:t>2022/02/21</a:t>
+              <a:t>2022/02/23</a:t>
             </a:fld>
             <a:endParaRPr lang="en-ZA"/>
           </a:p>
@@ -3548,7 +4780,7 @@
     </p:spTree>
     <p:extLst>
       <p:ext uri="{BB962C8B-B14F-4D97-AF65-F5344CB8AC3E}">
-        <p14:creationId xmlns:p14="http://schemas.microsoft.com/office/powerpoint/2010/main" val="1349153353"/>
+        <p14:creationId xmlns:p14="http://schemas.microsoft.com/office/powerpoint/2010/main" val="3862908627"/>
       </p:ext>
     </p:extLst>
   </p:cSld>
@@ -3808,7 +5040,7 @@
           <a:p>
             <a:fld id="{9152829D-41CF-4512-B43F-2BD4B56BA179}" type="datetimeFigureOut">
               <a:rPr lang="en-ZA" smtClean="0"/>
-              <a:t>2022/02/21</a:t>
+              <a:t>2022/02/23</a:t>
             </a:fld>
             <a:endParaRPr lang="en-ZA"/>
           </a:p>
@@ -3859,7 +5091,7 @@
     </p:spTree>
     <p:extLst>
       <p:ext uri="{BB962C8B-B14F-4D97-AF65-F5344CB8AC3E}">
-        <p14:creationId xmlns:p14="http://schemas.microsoft.com/office/powerpoint/2010/main" val="3254083529"/>
+        <p14:creationId xmlns:p14="http://schemas.microsoft.com/office/powerpoint/2010/main" val="2205639245"/>
       </p:ext>
     </p:extLst>
   </p:cSld>
@@ -3978,7 +5210,7 @@
           <a:p>
             <a:fld id="{9152829D-41CF-4512-B43F-2BD4B56BA179}" type="datetimeFigureOut">
               <a:rPr lang="en-ZA" smtClean="0"/>
-              <a:t>2022/02/21</a:t>
+              <a:t>2022/02/23</a:t>
             </a:fld>
             <a:endParaRPr lang="en-ZA"/>
           </a:p>
@@ -4029,7 +5261,7 @@
     </p:spTree>
     <p:extLst>
       <p:ext uri="{BB962C8B-B14F-4D97-AF65-F5344CB8AC3E}">
-        <p14:creationId xmlns:p14="http://schemas.microsoft.com/office/powerpoint/2010/main" val="2624996492"/>
+        <p14:creationId xmlns:p14="http://schemas.microsoft.com/office/powerpoint/2010/main" val="2927007162"/>
       </p:ext>
     </p:extLst>
   </p:cSld>
@@ -4158,7 +5390,7 @@
           <a:p>
             <a:fld id="{9152829D-41CF-4512-B43F-2BD4B56BA179}" type="datetimeFigureOut">
               <a:rPr lang="en-ZA" smtClean="0"/>
-              <a:t>2022/02/21</a:t>
+              <a:t>2022/02/23</a:t>
             </a:fld>
             <a:endParaRPr lang="en-ZA"/>
           </a:p>
@@ -4209,7 +5441,7 @@
     </p:spTree>
     <p:extLst>
       <p:ext uri="{BB962C8B-B14F-4D97-AF65-F5344CB8AC3E}">
-        <p14:creationId xmlns:p14="http://schemas.microsoft.com/office/powerpoint/2010/main" val="1796766219"/>
+        <p14:creationId xmlns:p14="http://schemas.microsoft.com/office/powerpoint/2010/main" val="938531594"/>
       </p:ext>
     </p:extLst>
   </p:cSld>
@@ -4334,7 +5566,7 @@
           <a:p>
             <a:fld id="{9152829D-41CF-4512-B43F-2BD4B56BA179}" type="datetimeFigureOut">
               <a:rPr lang="en-ZA" smtClean="0"/>
-              <a:t>2022/02/21</a:t>
+              <a:t>2022/02/23</a:t>
             </a:fld>
             <a:endParaRPr lang="en-ZA"/>
           </a:p>
@@ -4385,7 +5617,7 @@
     </p:spTree>
     <p:extLst>
       <p:ext uri="{BB962C8B-B14F-4D97-AF65-F5344CB8AC3E}">
-        <p14:creationId xmlns:p14="http://schemas.microsoft.com/office/powerpoint/2010/main" val="3068750675"/>
+        <p14:creationId xmlns:p14="http://schemas.microsoft.com/office/powerpoint/2010/main" val="604866660"/>
       </p:ext>
     </p:extLst>
   </p:cSld>
@@ -4581,7 +5813,7 @@
           <a:p>
             <a:fld id="{9152829D-41CF-4512-B43F-2BD4B56BA179}" type="datetimeFigureOut">
               <a:rPr lang="en-ZA" smtClean="0"/>
-              <a:t>2022/02/21</a:t>
+              <a:t>2022/02/23</a:t>
             </a:fld>
             <a:endParaRPr lang="en-ZA"/>
           </a:p>
@@ -4632,7 +5864,7 @@
     </p:spTree>
     <p:extLst>
       <p:ext uri="{BB962C8B-B14F-4D97-AF65-F5344CB8AC3E}">
-        <p14:creationId xmlns:p14="http://schemas.microsoft.com/office/powerpoint/2010/main" val="165311446"/>
+        <p14:creationId xmlns:p14="http://schemas.microsoft.com/office/powerpoint/2010/main" val="3005987326"/>
       </p:ext>
     </p:extLst>
   </p:cSld>
@@ -4813,7 +6045,7 @@
           <a:p>
             <a:fld id="{9152829D-41CF-4512-B43F-2BD4B56BA179}" type="datetimeFigureOut">
               <a:rPr lang="en-ZA" smtClean="0"/>
-              <a:t>2022/02/21</a:t>
+              <a:t>2022/02/23</a:t>
             </a:fld>
             <a:endParaRPr lang="en-ZA"/>
           </a:p>
@@ -4864,7 +6096,7 @@
     </p:spTree>
     <p:extLst>
       <p:ext uri="{BB962C8B-B14F-4D97-AF65-F5344CB8AC3E}">
-        <p14:creationId xmlns:p14="http://schemas.microsoft.com/office/powerpoint/2010/main" val="2378450262"/>
+        <p14:creationId xmlns:p14="http://schemas.microsoft.com/office/powerpoint/2010/main" val="4009791392"/>
       </p:ext>
     </p:extLst>
   </p:cSld>
@@ -5187,7 +6419,7 @@
           <a:p>
             <a:fld id="{9152829D-41CF-4512-B43F-2BD4B56BA179}" type="datetimeFigureOut">
               <a:rPr lang="en-ZA" smtClean="0"/>
-              <a:t>2022/02/21</a:t>
+              <a:t>2022/02/23</a:t>
             </a:fld>
             <a:endParaRPr lang="en-ZA"/>
           </a:p>
@@ -5238,7 +6470,7 @@
     </p:spTree>
     <p:extLst>
       <p:ext uri="{BB962C8B-B14F-4D97-AF65-F5344CB8AC3E}">
-        <p14:creationId xmlns:p14="http://schemas.microsoft.com/office/powerpoint/2010/main" val="1936085341"/>
+        <p14:creationId xmlns:p14="http://schemas.microsoft.com/office/powerpoint/2010/main" val="2702331551"/>
       </p:ext>
     </p:extLst>
   </p:cSld>
@@ -5310,7 +6542,7 @@
           <a:p>
             <a:fld id="{9152829D-41CF-4512-B43F-2BD4B56BA179}" type="datetimeFigureOut">
               <a:rPr lang="en-ZA" smtClean="0"/>
-              <a:t>2022/02/21</a:t>
+              <a:t>2022/02/23</a:t>
             </a:fld>
             <a:endParaRPr lang="en-ZA"/>
           </a:p>
@@ -5361,7 +6593,7 @@
     </p:spTree>
     <p:extLst>
       <p:ext uri="{BB962C8B-B14F-4D97-AF65-F5344CB8AC3E}">
-        <p14:creationId xmlns:p14="http://schemas.microsoft.com/office/powerpoint/2010/main" val="1073452136"/>
+        <p14:creationId xmlns:p14="http://schemas.microsoft.com/office/powerpoint/2010/main" val="1016592389"/>
       </p:ext>
     </p:extLst>
   </p:cSld>
@@ -5405,7 +6637,7 @@
           <a:p>
             <a:fld id="{9152829D-41CF-4512-B43F-2BD4B56BA179}" type="datetimeFigureOut">
               <a:rPr lang="en-ZA" smtClean="0"/>
-              <a:t>2022/02/21</a:t>
+              <a:t>2022/02/23</a:t>
             </a:fld>
             <a:endParaRPr lang="en-ZA"/>
           </a:p>
@@ -5456,7 +6688,7 @@
     </p:spTree>
     <p:extLst>
       <p:ext uri="{BB962C8B-B14F-4D97-AF65-F5344CB8AC3E}">
-        <p14:creationId xmlns:p14="http://schemas.microsoft.com/office/powerpoint/2010/main" val="1059181722"/>
+        <p14:creationId xmlns:p14="http://schemas.microsoft.com/office/powerpoint/2010/main" val="1278505695"/>
       </p:ext>
     </p:extLst>
   </p:cSld>
@@ -5660,7 +6892,7 @@
           <a:p>
             <a:fld id="{9152829D-41CF-4512-B43F-2BD4B56BA179}" type="datetimeFigureOut">
               <a:rPr lang="en-ZA" smtClean="0"/>
-              <a:t>2022/02/21</a:t>
+              <a:t>2022/02/23</a:t>
             </a:fld>
             <a:endParaRPr lang="en-ZA"/>
           </a:p>
@@ -5711,7 +6943,7 @@
     </p:spTree>
     <p:extLst>
       <p:ext uri="{BB962C8B-B14F-4D97-AF65-F5344CB8AC3E}">
-        <p14:creationId xmlns:p14="http://schemas.microsoft.com/office/powerpoint/2010/main" val="347244366"/>
+        <p14:creationId xmlns:p14="http://schemas.microsoft.com/office/powerpoint/2010/main" val="3822666751"/>
       </p:ext>
     </p:extLst>
   </p:cSld>
@@ -5923,7 +7155,7 @@
           <a:p>
             <a:fld id="{9152829D-41CF-4512-B43F-2BD4B56BA179}" type="datetimeFigureOut">
               <a:rPr lang="en-ZA" smtClean="0"/>
-              <a:t>2022/02/21</a:t>
+              <a:t>2022/02/23</a:t>
             </a:fld>
             <a:endParaRPr lang="en-ZA"/>
           </a:p>
@@ -5974,7 +7206,7 @@
     </p:spTree>
     <p:extLst>
       <p:ext uri="{BB962C8B-B14F-4D97-AF65-F5344CB8AC3E}">
-        <p14:creationId xmlns:p14="http://schemas.microsoft.com/office/powerpoint/2010/main" val="3628411867"/>
+        <p14:creationId xmlns:p14="http://schemas.microsoft.com/office/powerpoint/2010/main" val="4200476554"/>
       </p:ext>
     </p:extLst>
   </p:cSld>
@@ -6666,7 +7898,7 @@
           <a:p>
             <a:fld id="{9152829D-41CF-4512-B43F-2BD4B56BA179}" type="datetimeFigureOut">
               <a:rPr lang="en-ZA" smtClean="0"/>
-              <a:t>2022/02/21</a:t>
+              <a:t>2022/02/23</a:t>
             </a:fld>
             <a:endParaRPr lang="en-ZA"/>
           </a:p>
@@ -6751,28 +7983,28 @@
     </p:spTree>
     <p:extLst>
       <p:ext uri="{BB962C8B-B14F-4D97-AF65-F5344CB8AC3E}">
-        <p14:creationId xmlns:p14="http://schemas.microsoft.com/office/powerpoint/2010/main" val="3465763984"/>
+        <p14:creationId xmlns:p14="http://schemas.microsoft.com/office/powerpoint/2010/main" val="1739313547"/>
       </p:ext>
     </p:extLst>
   </p:cSld>
   <p:clrMap bg1="lt1" tx1="dk1" bg2="lt2" tx2="dk2" accent1="accent1" accent2="accent2" accent3="accent3" accent4="accent4" accent5="accent5" accent6="accent6" hlink="hlink" folHlink="folHlink"/>
   <p:sldLayoutIdLst>
-    <p:sldLayoutId id="2147483679" r:id="rId1"/>
-    <p:sldLayoutId id="2147483680" r:id="rId2"/>
-    <p:sldLayoutId id="2147483681" r:id="rId3"/>
-    <p:sldLayoutId id="2147483682" r:id="rId4"/>
-    <p:sldLayoutId id="2147483683" r:id="rId5"/>
-    <p:sldLayoutId id="2147483684" r:id="rId6"/>
-    <p:sldLayoutId id="2147483685" r:id="rId7"/>
-    <p:sldLayoutId id="2147483686" r:id="rId8"/>
-    <p:sldLayoutId id="2147483687" r:id="rId9"/>
-    <p:sldLayoutId id="2147483688" r:id="rId10"/>
-    <p:sldLayoutId id="2147483689" r:id="rId11"/>
-    <p:sldLayoutId id="2147483690" r:id="rId12"/>
-    <p:sldLayoutId id="2147483691" r:id="rId13"/>
-    <p:sldLayoutId id="2147483692" r:id="rId14"/>
-    <p:sldLayoutId id="2147483693" r:id="rId15"/>
-    <p:sldLayoutId id="2147483694" r:id="rId16"/>
+    <p:sldLayoutId id="2147483726" r:id="rId1"/>
+    <p:sldLayoutId id="2147483727" r:id="rId2"/>
+    <p:sldLayoutId id="2147483728" r:id="rId3"/>
+    <p:sldLayoutId id="2147483729" r:id="rId4"/>
+    <p:sldLayoutId id="2147483730" r:id="rId5"/>
+    <p:sldLayoutId id="2147483731" r:id="rId6"/>
+    <p:sldLayoutId id="2147483732" r:id="rId7"/>
+    <p:sldLayoutId id="2147483733" r:id="rId8"/>
+    <p:sldLayoutId id="2147483734" r:id="rId9"/>
+    <p:sldLayoutId id="2147483735" r:id="rId10"/>
+    <p:sldLayoutId id="2147483736" r:id="rId11"/>
+    <p:sldLayoutId id="2147483737" r:id="rId12"/>
+    <p:sldLayoutId id="2147483738" r:id="rId13"/>
+    <p:sldLayoutId id="2147483739" r:id="rId14"/>
+    <p:sldLayoutId id="2147483740" r:id="rId15"/>
+    <p:sldLayoutId id="2147483741" r:id="rId16"/>
   </p:sldLayoutIdLst>
   <p:txStyles>
     <p:titleStyle>
@@ -7208,9 +8440,14 @@
         </p:nvSpPr>
         <p:spPr>
           <a:xfrm>
-            <a:off x="215659" y="0"/>
-            <a:ext cx="11852695" cy="6236898"/>
+            <a:off x="444617" y="520118"/>
+            <a:ext cx="8716634" cy="4741996"/>
           </a:xfrm>
+          <a:ln>
+            <a:solidFill>
+              <a:schemeClr val="bg1"/>
+            </a:solidFill>
+          </a:ln>
         </p:spPr>
         <p:style>
           <a:lnRef idx="2">
@@ -7242,7 +8479,7 @@
           <a:lstStyle/>
           <a:p>
             <a:r>
-              <a:rPr lang="en-US" sz="6000" b="1" i="0" dirty="0">
+              <a:rPr lang="en-US" sz="4800" b="1" i="0" dirty="0">
                 <a:ln/>
                 <a:solidFill>
                   <a:srgbClr val="7030A0"/>
@@ -7321,6 +8558,70 @@
 </p:sld>
 </file>
 
+<file path=ppt/slides/slide10.xml><?xml version="1.0" encoding="utf-8"?>
+<p:sld xmlns:a="http://schemas.openxmlformats.org/drawingml/2006/main" xmlns:r="http://schemas.openxmlformats.org/officeDocument/2006/relationships" xmlns:p="http://schemas.openxmlformats.org/presentationml/2006/main">
+  <p:cSld>
+    <p:spTree>
+      <p:nvGrpSpPr>
+        <p:cNvPr id="1" name=""/>
+        <p:cNvGrpSpPr/>
+        <p:nvPr/>
+      </p:nvGrpSpPr>
+      <p:grpSpPr>
+        <a:xfrm>
+          <a:off x="0" y="0"/>
+          <a:ext cx="0" cy="0"/>
+          <a:chOff x="0" y="0"/>
+          <a:chExt cx="0" cy="0"/>
+        </a:xfrm>
+      </p:grpSpPr>
+      <p:sp>
+        <p:nvSpPr>
+          <p:cNvPr id="3" name="Content Placeholder 2">
+            <a:extLst>
+              <a:ext uri="{FF2B5EF4-FFF2-40B4-BE49-F238E27FC236}">
+                <a16:creationId xmlns:a16="http://schemas.microsoft.com/office/drawing/2014/main" id="{380C66D7-F2AE-4A17-8AE5-282EF1B10BE4}"/>
+              </a:ext>
+            </a:extLst>
+          </p:cNvPr>
+          <p:cNvSpPr>
+            <a:spLocks noGrp="1"/>
+          </p:cNvSpPr>
+          <p:nvPr>
+            <p:ph idx="1"/>
+          </p:nvPr>
+        </p:nvSpPr>
+        <p:spPr>
+          <a:xfrm>
+            <a:off x="620785" y="947955"/>
+            <a:ext cx="8653217" cy="5093407"/>
+          </a:xfrm>
+        </p:spPr>
+        <p:txBody>
+          <a:bodyPr/>
+          <a:lstStyle/>
+          <a:p>
+            <a:r>
+              <a:rPr lang="en-US" dirty="0"/>
+              <a:t>As illustrated on a pie chart above, a majority  of respondents have education committees  being developed</a:t>
+            </a:r>
+            <a:endParaRPr lang="en-ZA" dirty="0"/>
+          </a:p>
+        </p:txBody>
+      </p:sp>
+    </p:spTree>
+    <p:extLst>
+      <p:ext uri="{BB962C8B-B14F-4D97-AF65-F5344CB8AC3E}">
+        <p14:creationId xmlns:p14="http://schemas.microsoft.com/office/powerpoint/2010/main" val="3004947678"/>
+      </p:ext>
+    </p:extLst>
+  </p:cSld>
+  <p:clrMapOvr>
+    <a:masterClrMapping/>
+  </p:clrMapOvr>
+</p:sld>
+</file>
+
 <file path=ppt/slides/slide2.xml><?xml version="1.0" encoding="utf-8"?>
 <p:sld xmlns:a="http://schemas.openxmlformats.org/drawingml/2006/main" xmlns:r="http://schemas.openxmlformats.org/officeDocument/2006/relationships" xmlns:p="http://schemas.openxmlformats.org/presentationml/2006/main">
   <p:cSld>
@@ -7356,9 +8657,14 @@
         </p:nvSpPr>
         <p:spPr>
           <a:xfrm>
-            <a:off x="369454" y="332509"/>
-            <a:ext cx="10889673" cy="5708074"/>
+            <a:off x="780175" y="167782"/>
+            <a:ext cx="7063531" cy="4412607"/>
           </a:xfrm>
+          <a:ln>
+            <a:solidFill>
+              <a:schemeClr val="bg1"/>
+            </a:solidFill>
+          </a:ln>
         </p:spPr>
         <p:style>
           <a:lnRef idx="2">
@@ -7390,19 +8696,23 @@
           <a:lstStyle/>
           <a:p>
             <a:r>
-              <a:rPr lang="en-US" sz="7200" b="1" dirty="0">
+              <a:rPr lang="en-US" sz="4800" b="1" dirty="0">
                 <a:ln/>
                 <a:solidFill>
                   <a:srgbClr val="7030A0"/>
                 </a:solidFill>
+                <a:latin typeface="Arial" panose="020B0604020202020204" pitchFamily="34" charset="0"/>
+                <a:cs typeface="Arial" panose="020B0604020202020204" pitchFamily="34" charset="0"/>
               </a:rPr>
               <a:t>Education Champions Survey Dec 2020     Presentation</a:t>
             </a:r>
-            <a:endParaRPr lang="en-ZA" sz="7200" b="1" dirty="0">
+            <a:endParaRPr lang="en-ZA" sz="4800" b="1" dirty="0">
               <a:ln/>
               <a:solidFill>
                 <a:srgbClr val="7030A0"/>
               </a:solidFill>
+              <a:latin typeface="Arial" panose="020B0604020202020204" pitchFamily="34" charset="0"/>
+              <a:cs typeface="Arial" panose="020B0604020202020204" pitchFamily="34" charset="0"/>
             </a:endParaRPr>
           </a:p>
         </p:txBody>
@@ -7455,8 +8765,8 @@
         </p:nvSpPr>
         <p:spPr>
           <a:xfrm>
-            <a:off x="1524000" y="1122363"/>
-            <a:ext cx="8991600" cy="2000399"/>
+            <a:off x="1115736" y="444617"/>
+            <a:ext cx="8187655" cy="2827089"/>
           </a:xfrm>
         </p:spPr>
         <p:txBody>
@@ -7466,7 +8776,7 @@
           <a:lstStyle/>
           <a:p>
             <a:r>
-              <a:rPr lang="en-US" sz="3600" b="1" dirty="0">
+              <a:rPr lang="en-US" sz="2400" b="1" dirty="0">
                 <a:solidFill>
                   <a:srgbClr val="7030A0"/>
                 </a:solidFill>
@@ -7536,11 +8846,17 @@
           <a:lstStyle/>
           <a:p>
             <a:pPr marL="285750" indent="-285750" algn="just">
-              <a:buFont typeface="Wingdings" panose="05000000000000000000" pitchFamily="2" charset="2"/>
-              <a:buChar char="Ø"/>
+              <a:buClr>
+                <a:srgbClr val="7030A0"/>
+              </a:buClr>
+              <a:buFont typeface="Arial" panose="020B0604020202020204" pitchFamily="34" charset="0"/>
+              <a:buChar char="•"/>
             </a:pPr>
             <a:r>
               <a:rPr lang="en-US" sz="1600" dirty="0">
+                <a:solidFill>
+                  <a:schemeClr val="tx1"/>
+                </a:solidFill>
                 <a:latin typeface="New times"/>
               </a:rPr>
               <a:t>Data sources collected since 2020 based on feedbacks by the Education Champions.</a:t>
@@ -7548,11 +8864,17 @@
           </a:p>
           <a:p>
             <a:pPr marL="285750" indent="-285750" algn="just">
-              <a:buFont typeface="Wingdings" panose="05000000000000000000" pitchFamily="2" charset="2"/>
-              <a:buChar char="Ø"/>
+              <a:buClr>
+                <a:srgbClr val="7030A0"/>
+              </a:buClr>
+              <a:buFont typeface="Arial" panose="020B0604020202020204" pitchFamily="34" charset="0"/>
+              <a:buChar char="•"/>
             </a:pPr>
             <a:r>
               <a:rPr lang="en-US" sz="1600" dirty="0">
+                <a:solidFill>
+                  <a:schemeClr val="tx1"/>
+                </a:solidFill>
                 <a:latin typeface="New times"/>
               </a:rPr>
               <a:t>Education Champions expected to express their views from the country perspective.</a:t>
@@ -7560,11 +8882,17 @@
           </a:p>
           <a:p>
             <a:pPr marL="285750" indent="-285750" algn="just">
-              <a:buFont typeface="Wingdings" panose="05000000000000000000" pitchFamily="2" charset="2"/>
-              <a:buChar char="Ø"/>
+              <a:buClr>
+                <a:srgbClr val="7030A0"/>
+              </a:buClr>
+              <a:buFont typeface="Arial" panose="020B0604020202020204" pitchFamily="34" charset="0"/>
+              <a:buChar char="•"/>
             </a:pPr>
             <a:r>
               <a:rPr lang="en-US" sz="1600" dirty="0">
+                <a:solidFill>
+                  <a:schemeClr val="tx1"/>
+                </a:solidFill>
                 <a:latin typeface="New times"/>
               </a:rPr>
               <a:t>Engaging education champions,country presidents</a:t>
@@ -7572,11 +8900,17 @@
           </a:p>
           <a:p>
             <a:pPr marL="342900" indent="-342900" algn="just">
+              <a:buClr>
+                <a:srgbClr val="7030A0"/>
+              </a:buClr>
               <a:buFont typeface="Arial" panose="020B0604020202020204" pitchFamily="34" charset="0"/>
               <a:buChar char="•"/>
             </a:pPr>
             <a:r>
               <a:rPr lang="en-US" sz="1600" dirty="0">
+                <a:solidFill>
+                  <a:schemeClr val="tx1"/>
+                </a:solidFill>
                 <a:latin typeface="New times"/>
               </a:rPr>
               <a:t>A survey is presented with a list of 15 questions for the Education Champions. </a:t>
@@ -7586,8 +8920,9 @@
             <a:endParaRPr lang="en-US" sz="1600" dirty="0"/>
           </a:p>
           <a:p>
-            <a:r>
-              <a:rPr lang="en-US" sz="2800" b="1" dirty="0">
+            <a:pPr algn="l"/>
+            <a:r>
+              <a:rPr lang="en-US" sz="2400" b="1" dirty="0">
                 <a:solidFill>
                   <a:srgbClr val="7030A0"/>
                 </a:solidFill>
@@ -7666,57 +9001,102 @@
               <a:buNone/>
             </a:pPr>
             <a:r>
-              <a:rPr lang="en-US" sz="1600" dirty="0"/>
+              <a:rPr lang="en-US" sz="1600" dirty="0">
+                <a:solidFill>
+                  <a:schemeClr val="tx1"/>
+                </a:solidFill>
+                <a:latin typeface="New times"/>
+              </a:rPr>
               <a:t>As a Research and Development consultant intern, one of my principal tasks comprises the following: </a:t>
             </a:r>
           </a:p>
           <a:p>
             <a:pPr marL="342900" indent="-342900">
+              <a:buClr>
+                <a:srgbClr val="7030A0"/>
+              </a:buClr>
               <a:buFont typeface="Arial" panose="020B0604020202020204" pitchFamily="34" charset="0"/>
               <a:buChar char="•"/>
             </a:pPr>
             <a:r>
-              <a:rPr lang="en-US" sz="1600" dirty="0"/>
+              <a:rPr lang="en-US" sz="1600" dirty="0">
+                <a:solidFill>
+                  <a:schemeClr val="tx1"/>
+                </a:solidFill>
+                <a:latin typeface="New times"/>
+              </a:rPr>
               <a:t>Review the Excel data to look for trends.</a:t>
             </a:r>
           </a:p>
           <a:p>
             <a:pPr marL="342900" indent="-342900">
+              <a:buClr>
+                <a:srgbClr val="7030A0"/>
+              </a:buClr>
               <a:buFont typeface="Arial" panose="020B0604020202020204" pitchFamily="34" charset="0"/>
               <a:buChar char="•"/>
             </a:pPr>
             <a:r>
-              <a:rPr lang="en-US" sz="1600" dirty="0"/>
+              <a:rPr lang="en-US" sz="1600" dirty="0">
+                <a:solidFill>
+                  <a:schemeClr val="tx1"/>
+                </a:solidFill>
+                <a:latin typeface="New times"/>
+              </a:rPr>
               <a:t>Compile a dashboard system in Excel to visualize in simple form the key trends and information</a:t>
             </a:r>
           </a:p>
           <a:p>
             <a:pPr marL="342900" indent="-342900">
+              <a:buClr>
+                <a:srgbClr val="7030A0"/>
+              </a:buClr>
               <a:buFont typeface="Arial" panose="020B0604020202020204" pitchFamily="34" charset="0"/>
               <a:buChar char="•"/>
             </a:pPr>
             <a:r>
-              <a:rPr lang="en-US" sz="1600" dirty="0"/>
+              <a:rPr lang="en-US" sz="1600" dirty="0">
+                <a:solidFill>
+                  <a:schemeClr val="tx1"/>
+                </a:solidFill>
+                <a:latin typeface="New times"/>
+              </a:rPr>
               <a:t>Draw on wider visualization skills to create graphics that can be used in PowerPoint</a:t>
             </a:r>
           </a:p>
           <a:p>
             <a:pPr marL="342900" indent="-342900">
+              <a:buClr>
+                <a:srgbClr val="7030A0"/>
+              </a:buClr>
               <a:buFont typeface="Arial" panose="020B0604020202020204" pitchFamily="34" charset="0"/>
               <a:buChar char="•"/>
             </a:pPr>
             <a:r>
-              <a:rPr lang="en-US" sz="1600" dirty="0"/>
+              <a:rPr lang="en-US" sz="1600" dirty="0">
+                <a:solidFill>
+                  <a:schemeClr val="tx1"/>
+                </a:solidFill>
+                <a:latin typeface="New times"/>
+              </a:rPr>
               <a:t>Create a report in PowerPoint format explaining the findings </a:t>
             </a:r>
           </a:p>
           <a:p>
             <a:pPr marL="342900" indent="-342900">
+              <a:buClr>
+                <a:srgbClr val="7030A0"/>
+              </a:buClr>
               <a:buFont typeface="Arial" panose="020B0604020202020204" pitchFamily="34" charset="0"/>
               <a:buChar char="•"/>
             </a:pPr>
             <a:r>
-              <a:rPr lang="en-US" sz="1600" dirty="0"/>
+              <a:rPr lang="en-US" sz="1600" dirty="0">
+                <a:solidFill>
+                  <a:schemeClr val="tx1"/>
+                </a:solidFill>
+                <a:latin typeface="New times"/>
+              </a:rPr>
               <a:t>To use visualization to create reporting.</a:t>
             </a:r>
           </a:p>
@@ -7777,7 +9157,7 @@
         <p:spPr>
           <a:xfrm>
             <a:off x="1524000" y="1122363"/>
-            <a:ext cx="9144000" cy="1491528"/>
+            <a:ext cx="6101593" cy="1402723"/>
           </a:xfrm>
         </p:spPr>
         <p:txBody>
@@ -7787,21 +9167,25 @@
           <a:lstStyle/>
           <a:p>
             <a:r>
-              <a:rPr lang="en-US" sz="4000" b="1" dirty="0">
-                <a:solidFill>
-                  <a:schemeClr val="accent4">
+              <a:rPr lang="en-US" sz="3200" b="1" dirty="0">
+                <a:solidFill>
+                  <a:schemeClr val="accent3">
                     <a:lumMod val="75000"/>
                   </a:schemeClr>
                 </a:solidFill>
+                <a:latin typeface="Arial" panose="020B0604020202020204" pitchFamily="34" charset="0"/>
+                <a:cs typeface="Arial" panose="020B0604020202020204" pitchFamily="34" charset="0"/>
               </a:rPr>
               <a:t>Education Champions Survey Dec 2020 feedback results</a:t>
             </a:r>
-            <a:endParaRPr lang="en-ZA" sz="4000" b="1" dirty="0">
+            <a:endParaRPr lang="en-ZA" sz="3200" b="1" dirty="0">
               <a:solidFill>
-                <a:schemeClr val="accent4">
+                <a:schemeClr val="accent3">
                   <a:lumMod val="75000"/>
                 </a:schemeClr>
               </a:solidFill>
+              <a:latin typeface="Arial" panose="020B0604020202020204" pitchFamily="34" charset="0"/>
+              <a:cs typeface="Arial" panose="020B0604020202020204" pitchFamily="34" charset="0"/>
             </a:endParaRPr>
           </a:p>
         </p:txBody>
@@ -7824,8 +9208,8 @@
         </p:nvSpPr>
         <p:spPr>
           <a:xfrm>
-            <a:off x="323273" y="2909455"/>
-            <a:ext cx="10344727" cy="3472871"/>
+            <a:off x="620784" y="2718034"/>
+            <a:ext cx="8766497" cy="3229761"/>
           </a:xfrm>
         </p:spPr>
         <p:txBody>
@@ -7835,41 +9219,73 @@
           <a:lstStyle/>
           <a:p>
             <a:pPr marL="342900" indent="-342900" algn="just">
-              <a:buFont typeface="Wingdings" panose="05000000000000000000" pitchFamily="2" charset="2"/>
-              <a:buChar char="Ø"/>
+              <a:buClr>
+                <a:srgbClr val="7030A0"/>
+              </a:buClr>
+              <a:buFont typeface="Arial" panose="020B0604020202020204" pitchFamily="34" charset="0"/>
+              <a:buChar char="•"/>
             </a:pPr>
             <a:r>
-              <a:rPr lang="en-US" sz="1600" dirty="0"/>
+              <a:rPr lang="en-US" sz="1400" dirty="0">
+                <a:solidFill>
+                  <a:schemeClr val="tx1"/>
+                </a:solidFill>
+                <a:latin typeface="New times"/>
+              </a:rPr>
               <a:t>Some questions would be really useful in assisting us analyzing some trends by creating actionable insights.</a:t>
             </a:r>
           </a:p>
           <a:p>
             <a:pPr marL="342900" indent="-342900" algn="just">
-              <a:buFont typeface="Wingdings" panose="05000000000000000000" pitchFamily="2" charset="2"/>
-              <a:buChar char="Ø"/>
+              <a:buClr>
+                <a:srgbClr val="7030A0"/>
+              </a:buClr>
+              <a:buFont typeface="Arial" panose="020B0604020202020204" pitchFamily="34" charset="0"/>
+              <a:buChar char="•"/>
             </a:pPr>
             <a:r>
-              <a:rPr lang="en-US" sz="1600" dirty="0"/>
+              <a:rPr lang="en-US" sz="1400" dirty="0">
+                <a:solidFill>
+                  <a:schemeClr val="tx1"/>
+                </a:solidFill>
+                <a:latin typeface="New times"/>
+              </a:rPr>
               <a:t> This can be accomplished using some graphical features to perform some data visualizations tasks.</a:t>
             </a:r>
           </a:p>
           <a:p>
             <a:pPr marL="285750" indent="-285750" algn="just">
-              <a:buFont typeface="Wingdings" panose="05000000000000000000" pitchFamily="2" charset="2"/>
-              <a:buChar char="Ø"/>
+              <a:buClr>
+                <a:srgbClr val="7030A0"/>
+              </a:buClr>
+              <a:buFont typeface="Arial" panose="020B0604020202020204" pitchFamily="34" charset="0"/>
+              <a:buChar char="•"/>
             </a:pPr>
             <a:r>
-              <a:rPr lang="en-US" sz="1600" dirty="0"/>
+              <a:rPr lang="en-US" sz="1400" dirty="0">
+                <a:solidFill>
+                  <a:schemeClr val="tx1"/>
+                </a:solidFill>
+                <a:latin typeface="New times"/>
+              </a:rPr>
               <a:t> Microsoft Excel software used to satisfy the requirements of performing data visualization tasks using attractive graphical features e.g. bar charts, pie charts, slicers and many more.</a:t>
             </a:r>
           </a:p>
           <a:p>
             <a:pPr marL="342900" indent="-342900" algn="just">
-              <a:buFont typeface="Wingdings" panose="05000000000000000000" pitchFamily="2" charset="2"/>
-              <a:buChar char="Ø"/>
+              <a:buClr>
+                <a:srgbClr val="7030A0"/>
+              </a:buClr>
+              <a:buFont typeface="Arial" panose="020B0604020202020204" pitchFamily="34" charset="0"/>
+              <a:buChar char="•"/>
             </a:pPr>
             <a:r>
-              <a:rPr lang="en-US" sz="1600" dirty="0"/>
+              <a:rPr lang="en-US" sz="1400" dirty="0">
+                <a:solidFill>
+                  <a:schemeClr val="tx1"/>
+                </a:solidFill>
+                <a:latin typeface="New times"/>
+              </a:rPr>
               <a:t>Therefore, I will be using the Microsoft Excel software to analyze some trends and by creating actionable insights for the Education Champions Survey. </a:t>
             </a:r>
           </a:p>
@@ -7930,22 +9346,39 @@
             <p:ph type="ctrTitle"/>
           </p:nvPr>
         </p:nvSpPr>
-        <p:spPr/>
-        <p:txBody>
-          <a:bodyPr/>
+        <p:spPr>
+          <a:xfrm>
+            <a:off x="1342238" y="264252"/>
+            <a:ext cx="7390701" cy="1853967"/>
+          </a:xfrm>
+        </p:spPr>
+        <p:txBody>
+          <a:bodyPr>
+            <a:noAutofit/>
+          </a:bodyPr>
           <a:lstStyle/>
           <a:p>
             <a:r>
-              <a:rPr lang="en-US" sz="6000" b="1" dirty="0">
-                <a:solidFill>
-                  <a:schemeClr val="accent4">
+              <a:rPr lang="en-US" sz="3200" b="1" dirty="0">
+                <a:solidFill>
+                  <a:schemeClr val="accent3">
                     <a:lumMod val="75000"/>
                   </a:schemeClr>
                 </a:solidFill>
+                <a:latin typeface="Arial" panose="020B0604020202020204" pitchFamily="34" charset="0"/>
+                <a:cs typeface="Arial" panose="020B0604020202020204" pitchFamily="34" charset="0"/>
               </a:rPr>
               <a:t>Education Champions Survey Dec 2020 feedback results</a:t>
             </a:r>
-            <a:endParaRPr lang="en-ZA" dirty="0"/>
+            <a:endParaRPr lang="en-ZA" sz="3200" dirty="0">
+              <a:solidFill>
+                <a:schemeClr val="accent3">
+                  <a:lumMod val="75000"/>
+                </a:schemeClr>
+              </a:solidFill>
+              <a:latin typeface="Arial" panose="020B0604020202020204" pitchFamily="34" charset="0"/>
+              <a:cs typeface="Arial" panose="020B0604020202020204" pitchFamily="34" charset="0"/>
+            </a:endParaRPr>
           </a:p>
         </p:txBody>
       </p:sp>
@@ -7967,8 +9400,8 @@
         </p:nvSpPr>
         <p:spPr>
           <a:xfrm>
-            <a:off x="1523999" y="3602037"/>
-            <a:ext cx="10400145" cy="2574475"/>
+            <a:off x="595619" y="2818702"/>
+            <a:ext cx="9102054" cy="3775046"/>
           </a:xfrm>
         </p:spPr>
         <p:txBody>
@@ -7977,54 +9410,98 @@
           </a:bodyPr>
           <a:lstStyle/>
           <a:p>
-            <a:r>
-              <a:rPr lang="en-US" sz="1600" dirty="0"/>
+            <a:pPr algn="l"/>
+            <a:r>
+              <a:rPr lang="en-US" sz="1600" dirty="0">
+                <a:solidFill>
+                  <a:schemeClr val="tx1"/>
+                </a:solidFill>
+                <a:latin typeface="New times"/>
+              </a:rPr>
               <a:t>I’m going to perform some analysis based on the list of questions generated on a survey.</a:t>
             </a:r>
           </a:p>
           <a:p>
-            <a:r>
-              <a:rPr lang="en-US" sz="1600" dirty="0"/>
+            <a:pPr algn="l"/>
+            <a:r>
+              <a:rPr lang="en-US" sz="1600" dirty="0">
+                <a:solidFill>
+                  <a:schemeClr val="tx1"/>
+                </a:solidFill>
+                <a:latin typeface="New times"/>
+              </a:rPr>
               <a:t>The analysis is performed covering aspects  such as follows:</a:t>
             </a:r>
           </a:p>
           <a:p>
-            <a:pPr marL="342900" indent="-342900">
-              <a:buFont typeface="Wingdings" panose="05000000000000000000" pitchFamily="2" charset="2"/>
-              <a:buChar char="Ø"/>
+            <a:pPr marL="342900" indent="-342900" algn="l">
+              <a:buClr>
+                <a:srgbClr val="7030A0"/>
+              </a:buClr>
+              <a:buFont typeface="Arial" panose="020B0604020202020204" pitchFamily="34" charset="0"/>
+              <a:buChar char="•"/>
             </a:pPr>
             <a:r>
-              <a:rPr lang="en-ZA" sz="1600" dirty="0"/>
+              <a:rPr lang="en-ZA" sz="1600" dirty="0">
+                <a:solidFill>
+                  <a:schemeClr val="tx1"/>
+                </a:solidFill>
+                <a:latin typeface="New times"/>
+              </a:rPr>
               <a:t>An analysis performed to strategize education needs</a:t>
             </a:r>
           </a:p>
           <a:p>
-            <a:pPr marL="342900" indent="-342900">
-              <a:buFont typeface="Wingdings" panose="05000000000000000000" pitchFamily="2" charset="2"/>
-              <a:buChar char="Ø"/>
+            <a:pPr marL="342900" indent="-342900" algn="l">
+              <a:buClr>
+                <a:srgbClr val="7030A0"/>
+              </a:buClr>
+              <a:buFont typeface="Arial" panose="020B0604020202020204" pitchFamily="34" charset="0"/>
+              <a:buChar char="•"/>
             </a:pPr>
             <a:r>
-              <a:rPr lang="en-ZA" sz="1600" dirty="0"/>
+              <a:rPr lang="en-ZA" sz="1600" dirty="0">
+                <a:solidFill>
+                  <a:schemeClr val="tx1"/>
+                </a:solidFill>
+                <a:latin typeface="New times"/>
+              </a:rPr>
               <a:t>Accreditation or recognition analysis</a:t>
             </a:r>
           </a:p>
           <a:p>
-            <a:pPr marL="342900" indent="-342900">
-              <a:buFont typeface="Wingdings" panose="05000000000000000000" pitchFamily="2" charset="2"/>
-              <a:buChar char="Ø"/>
+            <a:pPr marL="342900" indent="-342900" algn="l">
+              <a:buClr>
+                <a:srgbClr val="7030A0"/>
+              </a:buClr>
+              <a:buFont typeface="Arial" panose="020B0604020202020204" pitchFamily="34" charset="0"/>
+              <a:buChar char="•"/>
             </a:pPr>
             <a:r>
-              <a:rPr lang="en-ZA" sz="1600" dirty="0"/>
+              <a:rPr lang="en-ZA" sz="1600" dirty="0">
+                <a:solidFill>
+                  <a:schemeClr val="tx1"/>
+                </a:solidFill>
+                <a:latin typeface="New times"/>
+              </a:rPr>
               <a:t>Course demand analysis</a:t>
             </a:r>
           </a:p>
           <a:p>
-            <a:pPr marL="342900" indent="-342900">
-              <a:buFont typeface="Wingdings" panose="05000000000000000000" pitchFamily="2" charset="2"/>
-              <a:buChar char="Ø"/>
+            <a:pPr marL="342900" indent="-342900" algn="l">
+              <a:buClr>
+                <a:srgbClr val="7030A0"/>
+              </a:buClr>
+              <a:buFont typeface="Arial" panose="020B0604020202020204" pitchFamily="34" charset="0"/>
+              <a:buChar char="•"/>
             </a:pPr>
             <a:r>
-              <a:rPr lang="en-ZA" sz="1600" dirty="0"/>
+              <a:rPr lang="en-ZA" sz="1600" dirty="0">
+                <a:solidFill>
+                  <a:schemeClr val="tx1"/>
+                </a:solidFill>
+                <a:latin typeface="New times"/>
+              </a:rPr>
               <a:t>Education Champions perceptions on the kind of support services they require from CILT International</a:t>
             </a:r>
           </a:p>
@@ -8086,21 +9563,23 @@
             <a:r>
               <a:rPr lang="en-US" sz="2800" b="1" dirty="0">
                 <a:solidFill>
-                  <a:schemeClr val="accent4">
+                  <a:schemeClr val="accent3">
                     <a:lumMod val="75000"/>
                   </a:schemeClr>
                 </a:solidFill>
-                <a:latin typeface="+mn-lt"/>
+                <a:latin typeface="Arial" panose="020B0604020202020204" pitchFamily="34" charset="0"/>
+                <a:cs typeface="Arial" panose="020B0604020202020204" pitchFamily="34" charset="0"/>
               </a:rPr>
               <a:t>Do you have an Education Committee in place within your CILT Country structure? </a:t>
             </a:r>
             <a:endParaRPr lang="en-ZA" sz="2800" b="1" dirty="0">
               <a:solidFill>
-                <a:schemeClr val="accent4">
+                <a:schemeClr val="accent3">
                   <a:lumMod val="75000"/>
                 </a:schemeClr>
               </a:solidFill>
-              <a:latin typeface="+mn-lt"/>
+              <a:latin typeface="Arial" panose="020B0604020202020204" pitchFamily="34" charset="0"/>
+              <a:cs typeface="Arial" panose="020B0604020202020204" pitchFamily="34" charset="0"/>
             </a:endParaRPr>
           </a:p>
         </p:txBody>
@@ -8189,11 +9668,68 @@
           </a:bodyPr>
           <a:lstStyle/>
           <a:p>
-            <a:r>
-              <a:rPr lang="en-US" sz="1600" dirty="0"/>
-              <a:t>Looking at the pie chart as revealed above,54% of the respondents  </a:t>
-            </a:r>
-            <a:endParaRPr lang="en-ZA" sz="1600" dirty="0"/>
+            <a:pPr>
+              <a:buClr>
+                <a:srgbClr val="7030A0"/>
+              </a:buClr>
+              <a:buFont typeface="Arial" panose="020B0604020202020204" pitchFamily="34" charset="0"/>
+              <a:buChar char="•"/>
+            </a:pPr>
+            <a:r>
+              <a:rPr lang="en-US" sz="1600" dirty="0">
+                <a:solidFill>
+                  <a:schemeClr val="tx1"/>
+                </a:solidFill>
+                <a:latin typeface="Arial" panose="020B0604020202020204" pitchFamily="34" charset="0"/>
+                <a:cs typeface="Arial" panose="020B0604020202020204" pitchFamily="34" charset="0"/>
+              </a:rPr>
+              <a:t>As illustrated on a pie chart above, a majority of the respondents have an education committees in place within their CILT Country structure.</a:t>
+            </a:r>
+          </a:p>
+          <a:p>
+            <a:pPr>
+              <a:buClr>
+                <a:srgbClr val="7030A0"/>
+              </a:buClr>
+              <a:buFont typeface="Arial" panose="020B0604020202020204" pitchFamily="34" charset="0"/>
+              <a:buChar char="•"/>
+            </a:pPr>
+            <a:r>
+              <a:rPr lang="en-US" sz="1600" dirty="0">
+                <a:solidFill>
+                  <a:schemeClr val="tx1"/>
+                </a:solidFill>
+                <a:latin typeface="Arial" panose="020B0604020202020204" pitchFamily="34" charset="0"/>
+                <a:cs typeface="Arial" panose="020B0604020202020204" pitchFamily="34" charset="0"/>
+              </a:rPr>
+              <a:t>  54 % of the respondents responded as having  education committees , 19%  of the respondents responded as having education committees being developed,15%of the respondents  suggested they would consider setting up and 12% of the respondents don’t have education committees within their CILT country structure.</a:t>
+            </a:r>
+          </a:p>
+          <a:p>
+            <a:pPr>
+              <a:buClr>
+                <a:srgbClr val="7030A0"/>
+              </a:buClr>
+              <a:buFont typeface="Arial" panose="020B0604020202020204" pitchFamily="34" charset="0"/>
+              <a:buChar char="•"/>
+            </a:pPr>
+            <a:r>
+              <a:rPr lang="en-US" sz="1600" dirty="0">
+                <a:solidFill>
+                  <a:schemeClr val="tx1"/>
+                </a:solidFill>
+                <a:latin typeface="Arial" panose="020B0604020202020204" pitchFamily="34" charset="0"/>
+                <a:cs typeface="Arial" panose="020B0604020202020204" pitchFamily="34" charset="0"/>
+              </a:rPr>
+              <a:t>As the majority of the respondents have education committees, this will have a positive impact on the effectiveness of educational programs as the education committees are pro-active.</a:t>
+            </a:r>
+            <a:endParaRPr lang="en-ZA" sz="1600" dirty="0">
+              <a:solidFill>
+                <a:schemeClr val="tx1"/>
+              </a:solidFill>
+              <a:latin typeface="Arial" panose="020B0604020202020204" pitchFamily="34" charset="0"/>
+              <a:cs typeface="Arial" panose="020B0604020202020204" pitchFamily="34" charset="0"/>
+            </a:endParaRPr>
           </a:p>
         </p:txBody>
       </p:sp>
@@ -8201,6 +9737,114 @@
     <p:extLst>
       <p:ext uri="{BB962C8B-B14F-4D97-AF65-F5344CB8AC3E}">
         <p14:creationId xmlns:p14="http://schemas.microsoft.com/office/powerpoint/2010/main" val="4078595687"/>
+      </p:ext>
+    </p:extLst>
+  </p:cSld>
+  <p:clrMapOvr>
+    <a:masterClrMapping/>
+  </p:clrMapOvr>
+</p:sld>
+</file>
+
+<file path=ppt/slides/slide9.xml><?xml version="1.0" encoding="utf-8"?>
+<p:sld xmlns:a="http://schemas.openxmlformats.org/drawingml/2006/main" xmlns:r="http://schemas.openxmlformats.org/officeDocument/2006/relationships" xmlns:p="http://schemas.openxmlformats.org/presentationml/2006/main">
+  <p:cSld>
+    <p:spTree>
+      <p:nvGrpSpPr>
+        <p:cNvPr id="1" name=""/>
+        <p:cNvGrpSpPr/>
+        <p:nvPr/>
+      </p:nvGrpSpPr>
+      <p:grpSpPr>
+        <a:xfrm>
+          <a:off x="0" y="0"/>
+          <a:ext cx="0" cy="0"/>
+          <a:chOff x="0" y="0"/>
+          <a:chExt cx="0" cy="0"/>
+        </a:xfrm>
+      </p:grpSpPr>
+      <p:sp>
+        <p:nvSpPr>
+          <p:cNvPr id="2" name="Title 1">
+            <a:extLst>
+              <a:ext uri="{FF2B5EF4-FFF2-40B4-BE49-F238E27FC236}">
+                <a16:creationId xmlns:a16="http://schemas.microsoft.com/office/drawing/2014/main" id="{C7152D84-253C-4E51-990E-D5C93A5E9220}"/>
+              </a:ext>
+            </a:extLst>
+          </p:cNvPr>
+          <p:cNvSpPr>
+            <a:spLocks noGrp="1"/>
+          </p:cNvSpPr>
+          <p:nvPr>
+            <p:ph type="title"/>
+          </p:nvPr>
+        </p:nvSpPr>
+        <p:spPr/>
+        <p:txBody>
+          <a:bodyPr>
+            <a:normAutofit/>
+          </a:bodyPr>
+          <a:lstStyle/>
+          <a:p>
+            <a:r>
+              <a:rPr lang="en-US" sz="2800" b="1" dirty="0">
+                <a:solidFill>
+                  <a:schemeClr val="accent3">
+                    <a:lumMod val="75000"/>
+                  </a:schemeClr>
+                </a:solidFill>
+                <a:latin typeface="Arial" panose="020B0604020202020204" pitchFamily="34" charset="0"/>
+                <a:cs typeface="Arial" panose="020B0604020202020204" pitchFamily="34" charset="0"/>
+              </a:rPr>
+              <a:t>Do you have an Education Strategy or Business Plan in place?</a:t>
+            </a:r>
+            <a:endParaRPr lang="en-ZA" sz="2800" b="1" dirty="0">
+              <a:solidFill>
+                <a:schemeClr val="accent3">
+                  <a:lumMod val="75000"/>
+                </a:schemeClr>
+              </a:solidFill>
+              <a:latin typeface="Arial" panose="020B0604020202020204" pitchFamily="34" charset="0"/>
+              <a:cs typeface="Arial" panose="020B0604020202020204" pitchFamily="34" charset="0"/>
+            </a:endParaRPr>
+          </a:p>
+        </p:txBody>
+      </p:sp>
+      <p:graphicFrame>
+        <p:nvGraphicFramePr>
+          <p:cNvPr id="4" name="Content Placeholder 3">
+            <a:extLst>
+              <a:ext uri="{FF2B5EF4-FFF2-40B4-BE49-F238E27FC236}">
+                <a16:creationId xmlns:a16="http://schemas.microsoft.com/office/drawing/2014/main" id="{F329B02B-128F-4908-B736-2A33F3E8C1FD}"/>
+              </a:ext>
+            </a:extLst>
+          </p:cNvPr>
+          <p:cNvGraphicFramePr>
+            <a:graphicFrameLocks noGrp="1"/>
+          </p:cNvGraphicFramePr>
+          <p:nvPr>
+            <p:ph idx="1"/>
+            <p:extLst>
+              <p:ext uri="{D42A27DB-BD31-4B8C-83A1-F6EECF244321}">
+                <p14:modId xmlns:p14="http://schemas.microsoft.com/office/powerpoint/2010/main" val="331398770"/>
+              </p:ext>
+            </p:extLst>
+          </p:nvPr>
+        </p:nvGraphicFramePr>
+        <p:xfrm>
+          <a:off x="677863" y="2160588"/>
+          <a:ext cx="8596312" cy="3881437"/>
+        </p:xfrm>
+        <a:graphic>
+          <a:graphicData uri="http://schemas.openxmlformats.org/drawingml/2006/chart">
+            <c:chart xmlns:c="http://schemas.openxmlformats.org/drawingml/2006/chart" xmlns:r="http://schemas.openxmlformats.org/officeDocument/2006/relationships" r:id="rId2"/>
+          </a:graphicData>
+        </a:graphic>
+      </p:graphicFrame>
+    </p:spTree>
+    <p:extLst>
+      <p:ext uri="{BB962C8B-B14F-4D97-AF65-F5344CB8AC3E}">
+        <p14:creationId xmlns:p14="http://schemas.microsoft.com/office/powerpoint/2010/main" val="1093958781"/>
       </p:ext>
     </p:extLst>
   </p:cSld>
